--- a/lecture_slides/assembly.pptx
+++ b/lecture_slides/assembly.pptx
@@ -271,7 +271,7 @@
             <a:fld id="{A454A267-6D32-4402-B19A-C2E2B0D7E352}" type="datetime1">
               <a:rPr lang="en-US"/>
               <a:pPr/>
-              <a:t>7/10/19</a:t>
+              <a:t>12/10/22</a:t>
             </a:fld>
             <a:endParaRPr lang="en-US"/>
           </a:p>
@@ -2415,7 +2415,7 @@
             <a:fld id="{E09AD6F9-13D0-41FB-BE7B-D9E4D2F0E92B}" type="datetime1">
               <a:rPr lang="en-US" smtClean="0"/>
               <a:pPr/>
-              <a:t>7/10/19</a:t>
+              <a:t>12/10/22</a:t>
             </a:fld>
             <a:endParaRPr lang="en-US"/>
           </a:p>
@@ -2639,7 +2639,7 @@
             <a:fld id="{77AF488D-4D69-45D4-96A3-1C5661330254}" type="datetime1">
               <a:rPr lang="en-US" smtClean="0"/>
               <a:pPr/>
-              <a:t>7/10/19</a:t>
+              <a:t>12/10/22</a:t>
             </a:fld>
             <a:endParaRPr lang="en-US"/>
           </a:p>
@@ -2873,7 +2873,7 @@
             <a:fld id="{30783285-9ED5-41A0-A7C6-D92511BA15FA}" type="datetime1">
               <a:rPr lang="en-US" smtClean="0"/>
               <a:pPr/>
-              <a:t>7/10/19</a:t>
+              <a:t>12/10/22</a:t>
             </a:fld>
             <a:endParaRPr lang="en-US"/>
           </a:p>
@@ -3097,7 +3097,7 @@
             <a:fld id="{0803D500-87BB-4950-91D6-CAE90ADA5A7C}" type="datetime1">
               <a:rPr lang="en-US" smtClean="0"/>
               <a:pPr/>
-              <a:t>7/10/19</a:t>
+              <a:t>12/10/22</a:t>
             </a:fld>
             <a:endParaRPr lang="en-US" dirty="0"/>
           </a:p>
@@ -3398,7 +3398,7 @@
             <a:fld id="{BF533223-0B88-40C3-8839-7D06D2423A38}" type="datetime1">
               <a:rPr lang="en-US" smtClean="0"/>
               <a:pPr/>
-              <a:t>7/10/19</a:t>
+              <a:t>12/10/22</a:t>
             </a:fld>
             <a:endParaRPr lang="en-US"/>
           </a:p>
@@ -3739,7 +3739,7 @@
             <a:fld id="{2CC1C52B-29C4-4F13-A058-4E92FD64E08C}" type="datetime1">
               <a:rPr lang="en-US" smtClean="0"/>
               <a:pPr/>
-              <a:t>7/10/19</a:t>
+              <a:t>12/10/22</a:t>
             </a:fld>
             <a:endParaRPr lang="en-US"/>
           </a:p>
@@ -4214,7 +4214,7 @@
             <a:fld id="{6F248663-A60D-448A-8FC0-03CA8A99F1EA}" type="datetime1">
               <a:rPr lang="en-US" smtClean="0"/>
               <a:pPr/>
-              <a:t>7/10/19</a:t>
+              <a:t>12/10/22</a:t>
             </a:fld>
             <a:endParaRPr lang="en-US"/>
           </a:p>
@@ -4387,7 +4387,7 @@
             <a:fld id="{6D45F553-873C-4099-BC24-D40961381BAE}" type="datetime1">
               <a:rPr lang="en-US" smtClean="0"/>
               <a:pPr/>
-              <a:t>7/10/19</a:t>
+              <a:t>12/10/22</a:t>
             </a:fld>
             <a:endParaRPr lang="en-US"/>
           </a:p>
@@ -4538,7 +4538,7 @@
             <a:fld id="{FFDE9422-1655-4D93-BF44-07740897DB75}" type="datetime1">
               <a:rPr lang="en-US" smtClean="0"/>
               <a:pPr/>
-              <a:t>7/10/19</a:t>
+              <a:t>12/10/22</a:t>
             </a:fld>
             <a:endParaRPr lang="en-US"/>
           </a:p>
@@ -4869,7 +4869,7 @@
             <a:fld id="{2CA32EA0-F3C9-4DD5-8B2D-AC3F456587CE}" type="datetime1">
               <a:rPr lang="en-US" smtClean="0"/>
               <a:pPr/>
-              <a:t>7/10/19</a:t>
+              <a:t>12/10/22</a:t>
             </a:fld>
             <a:endParaRPr lang="en-US"/>
           </a:p>
@@ -5180,7 +5180,7 @@
             <a:fld id="{F12DBC1D-DE4C-42ED-8A40-DA5274C15AFB}" type="datetime1">
               <a:rPr lang="en-US" smtClean="0"/>
               <a:pPr/>
-              <a:t>7/10/19</a:t>
+              <a:t>12/10/22</a:t>
             </a:fld>
             <a:endParaRPr lang="en-US"/>
           </a:p>
@@ -5845,7 +5845,12 @@
             <p:ph type="ctrTitle"/>
           </p:nvPr>
         </p:nvSpPr>
-        <p:spPr/>
+        <p:spPr>
+          <a:xfrm>
+            <a:off x="685800" y="-10099"/>
+            <a:ext cx="7772400" cy="1470025"/>
+          </a:xfrm>
+        </p:spPr>
         <p:txBody>
           <a:bodyPr/>
           <a:lstStyle/>
@@ -5855,56 +5860,1299 @@
                 <a:latin typeface="Trebuchet MS" charset="0"/>
                 <a:ea typeface="ＭＳ Ｐゴシック" charset="0"/>
               </a:rPr>
-              <a:t>10a. Assembly Language</a:t>
+              <a:t>Assembly Language</a:t>
+            </a:r>
+          </a:p>
+        </p:txBody>
+      </p:sp>
+      <p:pic>
+        <p:nvPicPr>
+          <p:cNvPr id="2" name="Picture 25">
+            <a:extLst>
+              <a:ext uri="{FF2B5EF4-FFF2-40B4-BE49-F238E27FC236}">
+                <a16:creationId xmlns:a16="http://schemas.microsoft.com/office/drawing/2014/main" id="{9E4FE349-4A02-03D8-EC41-AE58DD04154F}"/>
+              </a:ext>
+            </a:extLst>
+          </p:cNvPr>
+          <p:cNvPicPr>
+            <a:picLocks noChangeAspect="1" noChangeArrowheads="1"/>
+          </p:cNvPicPr>
+          <p:nvPr/>
+        </p:nvPicPr>
+        <p:blipFill>
+          <a:blip r:embed="rId3">
+            <a:extLst>
+              <a:ext uri="{28A0092B-C50C-407E-A947-70E740481C1C}">
+                <a14:useLocalDpi xmlns:a14="http://schemas.microsoft.com/office/drawing/2010/main" val="0"/>
+              </a:ext>
+            </a:extLst>
+          </a:blip>
+          <a:srcRect r="294" b="333"/>
+          <a:stretch>
+            <a:fillRect/>
+          </a:stretch>
+        </p:blipFill>
+        <p:spPr bwMode="auto">
+          <a:xfrm>
+            <a:off x="3505200" y="2286000"/>
+            <a:ext cx="2971800" cy="2632075"/>
+          </a:xfrm>
+          <a:prstGeom prst="rect">
+            <a:avLst/>
+          </a:prstGeom>
+          <a:noFill/>
+          <a:ln>
+            <a:noFill/>
+          </a:ln>
+          <a:extLst>
+            <a:ext uri="{909E8E84-426E-40DD-AFC4-6F175D3DCCD1}">
+              <a14:hiddenFill xmlns:a14="http://schemas.microsoft.com/office/drawing/2010/main">
+                <a:solidFill>
+                  <a:srgbClr val="FFFFFF"/>
+                </a:solidFill>
+              </a14:hiddenFill>
+            </a:ext>
+            <a:ext uri="{91240B29-F687-4F45-9708-019B960494DF}">
+              <a14:hiddenLine xmlns:a14="http://schemas.microsoft.com/office/drawing/2010/main" w="9525">
+                <a:solidFill>
+                  <a:srgbClr val="000000"/>
+                </a:solidFill>
+                <a:miter lim="800000"/>
+                <a:headEnd/>
+                <a:tailEnd/>
+              </a14:hiddenLine>
+            </a:ext>
+          </a:extLst>
+        </p:spPr>
+      </p:pic>
+      <p:grpSp>
+        <p:nvGrpSpPr>
+          <p:cNvPr id="3" name="Group 23">
+            <a:extLst>
+              <a:ext uri="{FF2B5EF4-FFF2-40B4-BE49-F238E27FC236}">
+                <a16:creationId xmlns:a16="http://schemas.microsoft.com/office/drawing/2014/main" id="{8E273707-6911-3D65-6A92-D86393176B41}"/>
+              </a:ext>
+            </a:extLst>
+          </p:cNvPr>
+          <p:cNvGrpSpPr>
+            <a:grpSpLocks/>
+          </p:cNvGrpSpPr>
+          <p:nvPr/>
+        </p:nvGrpSpPr>
+        <p:grpSpPr bwMode="auto">
+          <a:xfrm>
+            <a:off x="5948785" y="1676400"/>
+            <a:ext cx="3048000" cy="1058636"/>
+            <a:chOff x="3832" y="1027"/>
+            <a:chExt cx="1832" cy="778"/>
+          </a:xfrm>
+        </p:grpSpPr>
+        <p:sp>
+          <p:nvSpPr>
+            <p:cNvPr id="4" name="AutoShape 6">
+              <a:extLst>
+                <a:ext uri="{FF2B5EF4-FFF2-40B4-BE49-F238E27FC236}">
+                  <a16:creationId xmlns:a16="http://schemas.microsoft.com/office/drawing/2014/main" id="{9F73BCFB-6F5B-5AA8-92BF-B2B5C1BE34D2}"/>
+                </a:ext>
+              </a:extLst>
+            </p:cNvPr>
+            <p:cNvSpPr>
+              <a:spLocks noChangeArrowheads="1"/>
+            </p:cNvSpPr>
+            <p:nvPr/>
+          </p:nvSpPr>
+          <p:spPr bwMode="auto">
+            <a:xfrm>
+              <a:off x="3832" y="1027"/>
+              <a:ext cx="1832" cy="778"/>
+            </a:xfrm>
+            <a:prstGeom prst="wedgeRectCallout">
+              <a:avLst>
+                <a:gd name="adj1" fmla="val -55558"/>
+                <a:gd name="adj2" fmla="val 21619"/>
+              </a:avLst>
+            </a:prstGeom>
+            <a:solidFill>
+              <a:srgbClr val="FFFF99"/>
+            </a:solidFill>
+            <a:ln w="19050">
+              <a:solidFill>
+                <a:schemeClr val="tx1"/>
+              </a:solidFill>
+              <a:miter lim="800000"/>
+              <a:headEnd/>
+              <a:tailEnd/>
+            </a:ln>
+          </p:spPr>
+          <p:txBody>
+            <a:bodyPr anchor="ctr"/>
+            <a:lstStyle>
+              <a:lvl1pPr eaLnBrk="0" hangingPunct="0">
+                <a:defRPr sz="2400">
+                  <a:solidFill>
+                    <a:schemeClr val="tx1"/>
+                  </a:solidFill>
+                  <a:latin typeface="Tekton Pro" charset="0"/>
+                  <a:ea typeface="ＭＳ Ｐゴシック" charset="-128"/>
+                </a:defRPr>
+              </a:lvl1pPr>
+              <a:lvl2pPr marL="742950" indent="-285750" eaLnBrk="0" hangingPunct="0">
+                <a:defRPr sz="2400">
+                  <a:solidFill>
+                    <a:schemeClr val="tx1"/>
+                  </a:solidFill>
+                  <a:latin typeface="Tekton Pro" charset="0"/>
+                  <a:ea typeface="ＭＳ Ｐゴシック" charset="-128"/>
+                </a:defRPr>
+              </a:lvl2pPr>
+              <a:lvl3pPr marL="1143000" indent="-228600" eaLnBrk="0" hangingPunct="0">
+                <a:defRPr sz="2400">
+                  <a:solidFill>
+                    <a:schemeClr val="tx1"/>
+                  </a:solidFill>
+                  <a:latin typeface="Tekton Pro" charset="0"/>
+                  <a:ea typeface="ＭＳ Ｐゴシック" charset="-128"/>
+                </a:defRPr>
+              </a:lvl3pPr>
+              <a:lvl4pPr marL="1600200" indent="-228600" eaLnBrk="0" hangingPunct="0">
+                <a:defRPr sz="2400">
+                  <a:solidFill>
+                    <a:schemeClr val="tx1"/>
+                  </a:solidFill>
+                  <a:latin typeface="Tekton Pro" charset="0"/>
+                  <a:ea typeface="ＭＳ Ｐゴシック" charset="-128"/>
+                </a:defRPr>
+              </a:lvl4pPr>
+              <a:lvl5pPr marL="2057400" indent="-228600" eaLnBrk="0" hangingPunct="0">
+                <a:defRPr sz="2400">
+                  <a:solidFill>
+                    <a:schemeClr val="tx1"/>
+                  </a:solidFill>
+                  <a:latin typeface="Tekton Pro" charset="0"/>
+                  <a:ea typeface="ＭＳ Ｐゴシック" charset="-128"/>
+                </a:defRPr>
+              </a:lvl5pPr>
+              <a:lvl6pPr marL="2514600" indent="-228600" algn="ctr" eaLnBrk="0" fontAlgn="base" hangingPunct="0">
+                <a:spcBef>
+                  <a:spcPct val="0"/>
+                </a:spcBef>
+                <a:spcAft>
+                  <a:spcPct val="0"/>
+                </a:spcAft>
+                <a:defRPr sz="2400">
+                  <a:solidFill>
+                    <a:schemeClr val="tx1"/>
+                  </a:solidFill>
+                  <a:latin typeface="Tekton Pro" charset="0"/>
+                  <a:ea typeface="ＭＳ Ｐゴシック" charset="-128"/>
+                </a:defRPr>
+              </a:lvl6pPr>
+              <a:lvl7pPr marL="2971800" indent="-228600" algn="ctr" eaLnBrk="0" fontAlgn="base" hangingPunct="0">
+                <a:spcBef>
+                  <a:spcPct val="0"/>
+                </a:spcBef>
+                <a:spcAft>
+                  <a:spcPct val="0"/>
+                </a:spcAft>
+                <a:defRPr sz="2400">
+                  <a:solidFill>
+                    <a:schemeClr val="tx1"/>
+                  </a:solidFill>
+                  <a:latin typeface="Tekton Pro" charset="0"/>
+                  <a:ea typeface="ＭＳ Ｐゴシック" charset="-128"/>
+                </a:defRPr>
+              </a:lvl7pPr>
+              <a:lvl8pPr marL="3429000" indent="-228600" algn="ctr" eaLnBrk="0" fontAlgn="base" hangingPunct="0">
+                <a:spcBef>
+                  <a:spcPct val="0"/>
+                </a:spcBef>
+                <a:spcAft>
+                  <a:spcPct val="0"/>
+                </a:spcAft>
+                <a:defRPr sz="2400">
+                  <a:solidFill>
+                    <a:schemeClr val="tx1"/>
+                  </a:solidFill>
+                  <a:latin typeface="Tekton Pro" charset="0"/>
+                  <a:ea typeface="ＭＳ Ｐゴシック" charset="-128"/>
+                </a:defRPr>
+              </a:lvl8pPr>
+              <a:lvl9pPr marL="3886200" indent="-228600" algn="ctr" eaLnBrk="0" fontAlgn="base" hangingPunct="0">
+                <a:spcBef>
+                  <a:spcPct val="0"/>
+                </a:spcBef>
+                <a:spcAft>
+                  <a:spcPct val="0"/>
+                </a:spcAft>
+                <a:defRPr sz="2400">
+                  <a:solidFill>
+                    <a:schemeClr val="tx1"/>
+                  </a:solidFill>
+                  <a:latin typeface="Tekton Pro" charset="0"/>
+                  <a:ea typeface="ＭＳ Ｐゴシック" charset="-128"/>
+                </a:defRPr>
+              </a:lvl9pPr>
+            </a:lstStyle>
+            <a:p>
+              <a:endParaRPr lang="en-US" altLang="en-US" sz="2000" b="1"/>
+            </a:p>
+          </p:txBody>
+        </p:sp>
+        <p:sp>
+          <p:nvSpPr>
+            <p:cNvPr id="5" name="Rectangle 4">
+              <a:extLst>
+                <a:ext uri="{FF2B5EF4-FFF2-40B4-BE49-F238E27FC236}">
+                  <a16:creationId xmlns:a16="http://schemas.microsoft.com/office/drawing/2014/main" id="{26A55F5D-E275-59A6-F9BE-5F7D5F0BCC8D}"/>
+                </a:ext>
+              </a:extLst>
+            </p:cNvPr>
+            <p:cNvSpPr>
+              <a:spLocks noChangeArrowheads="1"/>
+            </p:cNvSpPr>
+            <p:nvPr/>
+          </p:nvSpPr>
+          <p:spPr bwMode="auto">
+            <a:xfrm>
+              <a:off x="3832" y="1083"/>
+              <a:ext cx="1832" cy="688"/>
+            </a:xfrm>
+            <a:prstGeom prst="rect">
+              <a:avLst/>
+            </a:prstGeom>
+            <a:noFill/>
+            <a:ln>
+              <a:noFill/>
+            </a:ln>
+            <a:extLst>
+              <a:ext uri="{909E8E84-426E-40DD-AFC4-6F175D3DCCD1}">
+                <a14:hiddenFill xmlns:a14="http://schemas.microsoft.com/office/drawing/2010/main">
+                  <a:solidFill>
+                    <a:srgbClr val="FFFFFF"/>
+                  </a:solidFill>
+                </a14:hiddenFill>
+              </a:ext>
+              <a:ext uri="{91240B29-F687-4F45-9708-019B960494DF}">
+                <a14:hiddenLine xmlns:a14="http://schemas.microsoft.com/office/drawing/2010/main" w="9525">
+                  <a:solidFill>
+                    <a:srgbClr val="000000"/>
+                  </a:solidFill>
+                  <a:miter lim="800000"/>
+                  <a:headEnd/>
+                  <a:tailEnd/>
+                </a14:hiddenLine>
+              </a:ext>
+            </a:extLst>
+          </p:spPr>
+          <p:txBody>
+            <a:bodyPr>
+              <a:spAutoFit/>
+            </a:bodyPr>
+            <a:lstStyle>
+              <a:lvl1pPr eaLnBrk="0" hangingPunct="0">
+                <a:defRPr sz="2400">
+                  <a:solidFill>
+                    <a:schemeClr val="tx1"/>
+                  </a:solidFill>
+                  <a:latin typeface="Tekton Pro" charset="0"/>
+                  <a:ea typeface="ＭＳ Ｐゴシック" charset="-128"/>
+                </a:defRPr>
+              </a:lvl1pPr>
+              <a:lvl2pPr marL="742950" indent="-285750" eaLnBrk="0" hangingPunct="0">
+                <a:defRPr sz="2400">
+                  <a:solidFill>
+                    <a:schemeClr val="tx1"/>
+                  </a:solidFill>
+                  <a:latin typeface="Tekton Pro" charset="0"/>
+                  <a:ea typeface="ＭＳ Ｐゴシック" charset="-128"/>
+                </a:defRPr>
+              </a:lvl2pPr>
+              <a:lvl3pPr marL="1143000" indent="-228600" eaLnBrk="0" hangingPunct="0">
+                <a:defRPr sz="2400">
+                  <a:solidFill>
+                    <a:schemeClr val="tx1"/>
+                  </a:solidFill>
+                  <a:latin typeface="Tekton Pro" charset="0"/>
+                  <a:ea typeface="ＭＳ Ｐゴシック" charset="-128"/>
+                </a:defRPr>
+              </a:lvl3pPr>
+              <a:lvl4pPr marL="1600200" indent="-228600" eaLnBrk="0" hangingPunct="0">
+                <a:defRPr sz="2400">
+                  <a:solidFill>
+                    <a:schemeClr val="tx1"/>
+                  </a:solidFill>
+                  <a:latin typeface="Tekton Pro" charset="0"/>
+                  <a:ea typeface="ＭＳ Ｐゴシック" charset="-128"/>
+                </a:defRPr>
+              </a:lvl4pPr>
+              <a:lvl5pPr marL="2057400" indent="-228600" eaLnBrk="0" hangingPunct="0">
+                <a:defRPr sz="2400">
+                  <a:solidFill>
+                    <a:schemeClr val="tx1"/>
+                  </a:solidFill>
+                  <a:latin typeface="Tekton Pro" charset="0"/>
+                  <a:ea typeface="ＭＳ Ｐゴシック" charset="-128"/>
+                </a:defRPr>
+              </a:lvl5pPr>
+              <a:lvl6pPr marL="2514600" indent="-228600" algn="ctr" eaLnBrk="0" fontAlgn="base" hangingPunct="0">
+                <a:spcBef>
+                  <a:spcPct val="0"/>
+                </a:spcBef>
+                <a:spcAft>
+                  <a:spcPct val="0"/>
+                </a:spcAft>
+                <a:defRPr sz="2400">
+                  <a:solidFill>
+                    <a:schemeClr val="tx1"/>
+                  </a:solidFill>
+                  <a:latin typeface="Tekton Pro" charset="0"/>
+                  <a:ea typeface="ＭＳ Ｐゴシック" charset="-128"/>
+                </a:defRPr>
+              </a:lvl6pPr>
+              <a:lvl7pPr marL="2971800" indent="-228600" algn="ctr" eaLnBrk="0" fontAlgn="base" hangingPunct="0">
+                <a:spcBef>
+                  <a:spcPct val="0"/>
+                </a:spcBef>
+                <a:spcAft>
+                  <a:spcPct val="0"/>
+                </a:spcAft>
+                <a:defRPr sz="2400">
+                  <a:solidFill>
+                    <a:schemeClr val="tx1"/>
+                  </a:solidFill>
+                  <a:latin typeface="Tekton Pro" charset="0"/>
+                  <a:ea typeface="ＭＳ Ｐゴシック" charset="-128"/>
+                </a:defRPr>
+              </a:lvl7pPr>
+              <a:lvl8pPr marL="3429000" indent="-228600" algn="ctr" eaLnBrk="0" fontAlgn="base" hangingPunct="0">
+                <a:spcBef>
+                  <a:spcPct val="0"/>
+                </a:spcBef>
+                <a:spcAft>
+                  <a:spcPct val="0"/>
+                </a:spcAft>
+                <a:defRPr sz="2400">
+                  <a:solidFill>
+                    <a:schemeClr val="tx1"/>
+                  </a:solidFill>
+                  <a:latin typeface="Tekton Pro" charset="0"/>
+                  <a:ea typeface="ＭＳ Ｐゴシック" charset="-128"/>
+                </a:defRPr>
+              </a:lvl8pPr>
+              <a:lvl9pPr marL="3886200" indent="-228600" algn="ctr" eaLnBrk="0" fontAlgn="base" hangingPunct="0">
+                <a:spcBef>
+                  <a:spcPct val="0"/>
+                </a:spcBef>
+                <a:spcAft>
+                  <a:spcPct val="0"/>
+                </a:spcAft>
+                <a:defRPr sz="2400">
+                  <a:solidFill>
+                    <a:schemeClr val="tx1"/>
+                  </a:solidFill>
+                  <a:latin typeface="Tekton Pro" charset="0"/>
+                  <a:ea typeface="ＭＳ Ｐゴシック" charset="-128"/>
+                </a:defRPr>
+              </a:lvl9pPr>
+            </a:lstStyle>
+            <a:p>
+              <a:pPr algn="ctr"/>
+              <a:r>
+                <a:rPr lang="en-US" altLang="en-US" sz="1300" dirty="0">
+                  <a:latin typeface="Arial" charset="0"/>
+                  <a:ea typeface="Arial" charset="0"/>
+                  <a:cs typeface="Arial" charset="0"/>
+                </a:rPr>
+                <a:t>When I find my code in tons of trouble, </a:t>
+              </a:r>
+              <a:br>
+                <a:rPr lang="en-US" altLang="en-US" sz="1300" dirty="0">
+                  <a:latin typeface="Arial" charset="0"/>
+                  <a:ea typeface="Arial" charset="0"/>
+                  <a:cs typeface="Arial" charset="0"/>
+                </a:rPr>
+              </a:br>
+              <a:r>
+                <a:rPr lang="en-US" altLang="en-US" sz="1300" dirty="0">
+                  <a:latin typeface="Arial" charset="0"/>
+                  <a:ea typeface="Arial" charset="0"/>
+                  <a:cs typeface="Arial" charset="0"/>
+                </a:rPr>
+                <a:t>Friends and colleagues come to me, </a:t>
+              </a:r>
+              <a:br>
+                <a:rPr lang="en-US" altLang="en-US" sz="1300" dirty="0">
+                  <a:latin typeface="Arial" charset="0"/>
+                  <a:ea typeface="Arial" charset="0"/>
+                  <a:cs typeface="Arial" charset="0"/>
+                </a:rPr>
+              </a:br>
+              <a:r>
+                <a:rPr lang="en-US" altLang="en-US" sz="1300" dirty="0">
+                  <a:latin typeface="Arial" charset="0"/>
+                  <a:ea typeface="Arial" charset="0"/>
+                  <a:cs typeface="Arial" charset="0"/>
+                </a:rPr>
+                <a:t>Speaking words of wisdom: </a:t>
+              </a:r>
+              <a:br>
+                <a:rPr lang="en-US" altLang="en-US" sz="1300" dirty="0">
+                  <a:latin typeface="Arial" charset="0"/>
+                  <a:ea typeface="Arial" charset="0"/>
+                  <a:cs typeface="Arial" charset="0"/>
+                </a:rPr>
+              </a:br>
+              <a:r>
+                <a:rPr lang="en-US" altLang="en-US" sz="1300" dirty="0">
+                  <a:latin typeface="Arial" charset="0"/>
+                  <a:ea typeface="Arial" charset="0"/>
+                  <a:cs typeface="Arial" charset="0"/>
+                </a:rPr>
+                <a:t>"Write in C."</a:t>
+              </a:r>
+            </a:p>
+          </p:txBody>
+        </p:sp>
+      </p:grpSp>
+      <p:grpSp>
+        <p:nvGrpSpPr>
+          <p:cNvPr id="6" name="Group 24">
+            <a:extLst>
+              <a:ext uri="{FF2B5EF4-FFF2-40B4-BE49-F238E27FC236}">
+                <a16:creationId xmlns:a16="http://schemas.microsoft.com/office/drawing/2014/main" id="{0A14B0C2-CF6F-39AC-ADC0-F664B8226B95}"/>
+              </a:ext>
+            </a:extLst>
+          </p:cNvPr>
+          <p:cNvGrpSpPr>
+            <a:grpSpLocks/>
+          </p:cNvGrpSpPr>
+          <p:nvPr/>
+        </p:nvGrpSpPr>
+        <p:grpSpPr bwMode="auto">
+          <a:xfrm>
+            <a:off x="152400" y="1447800"/>
+            <a:ext cx="3389313" cy="3124200"/>
+            <a:chOff x="96" y="926"/>
+            <a:chExt cx="2135" cy="1968"/>
+          </a:xfrm>
+        </p:grpSpPr>
+        <p:sp>
+          <p:nvSpPr>
+            <p:cNvPr id="7" name="AutoShape 8">
+              <a:extLst>
+                <a:ext uri="{FF2B5EF4-FFF2-40B4-BE49-F238E27FC236}">
+                  <a16:creationId xmlns:a16="http://schemas.microsoft.com/office/drawing/2014/main" id="{E7E84B7F-B465-BEAF-EBD0-39DF6BA6F9BD}"/>
+                </a:ext>
+              </a:extLst>
+            </p:cNvPr>
+            <p:cNvSpPr>
+              <a:spLocks noChangeArrowheads="1"/>
+            </p:cNvSpPr>
+            <p:nvPr/>
+          </p:nvSpPr>
+          <p:spPr bwMode="auto">
+            <a:xfrm>
+              <a:off x="96" y="926"/>
+              <a:ext cx="2112" cy="1968"/>
+            </a:xfrm>
+            <a:prstGeom prst="wedgeRectCallout">
+              <a:avLst>
+                <a:gd name="adj1" fmla="val 61046"/>
+                <a:gd name="adj2" fmla="val -15973"/>
+              </a:avLst>
+            </a:prstGeom>
+            <a:solidFill>
+              <a:srgbClr val="FFFF99"/>
+            </a:solidFill>
+            <a:ln w="19050">
+              <a:solidFill>
+                <a:schemeClr val="tx1"/>
+              </a:solidFill>
+              <a:miter lim="800000"/>
+              <a:headEnd/>
+              <a:tailEnd/>
+            </a:ln>
+          </p:spPr>
+          <p:txBody>
+            <a:bodyPr anchor="ctr"/>
+            <a:lstStyle>
+              <a:lvl1pPr eaLnBrk="0" hangingPunct="0">
+                <a:defRPr sz="2400">
+                  <a:solidFill>
+                    <a:schemeClr val="tx1"/>
+                  </a:solidFill>
+                  <a:latin typeface="Tekton Pro" charset="0"/>
+                  <a:ea typeface="ＭＳ Ｐゴシック" charset="-128"/>
+                </a:defRPr>
+              </a:lvl1pPr>
+              <a:lvl2pPr marL="742950" indent="-285750" eaLnBrk="0" hangingPunct="0">
+                <a:defRPr sz="2400">
+                  <a:solidFill>
+                    <a:schemeClr val="tx1"/>
+                  </a:solidFill>
+                  <a:latin typeface="Tekton Pro" charset="0"/>
+                  <a:ea typeface="ＭＳ Ｐゴシック" charset="-128"/>
+                </a:defRPr>
+              </a:lvl2pPr>
+              <a:lvl3pPr marL="1143000" indent="-228600" eaLnBrk="0" hangingPunct="0">
+                <a:defRPr sz="2400">
+                  <a:solidFill>
+                    <a:schemeClr val="tx1"/>
+                  </a:solidFill>
+                  <a:latin typeface="Tekton Pro" charset="0"/>
+                  <a:ea typeface="ＭＳ Ｐゴシック" charset="-128"/>
+                </a:defRPr>
+              </a:lvl3pPr>
+              <a:lvl4pPr marL="1600200" indent="-228600" eaLnBrk="0" hangingPunct="0">
+                <a:defRPr sz="2400">
+                  <a:solidFill>
+                    <a:schemeClr val="tx1"/>
+                  </a:solidFill>
+                  <a:latin typeface="Tekton Pro" charset="0"/>
+                  <a:ea typeface="ＭＳ Ｐゴシック" charset="-128"/>
+                </a:defRPr>
+              </a:lvl4pPr>
+              <a:lvl5pPr marL="2057400" indent="-228600" eaLnBrk="0" hangingPunct="0">
+                <a:defRPr sz="2400">
+                  <a:solidFill>
+                    <a:schemeClr val="tx1"/>
+                  </a:solidFill>
+                  <a:latin typeface="Tekton Pro" charset="0"/>
+                  <a:ea typeface="ＭＳ Ｐゴシック" charset="-128"/>
+                </a:defRPr>
+              </a:lvl5pPr>
+              <a:lvl6pPr marL="2514600" indent="-228600" algn="ctr" eaLnBrk="0" fontAlgn="base" hangingPunct="0">
+                <a:spcBef>
+                  <a:spcPct val="0"/>
+                </a:spcBef>
+                <a:spcAft>
+                  <a:spcPct val="0"/>
+                </a:spcAft>
+                <a:defRPr sz="2400">
+                  <a:solidFill>
+                    <a:schemeClr val="tx1"/>
+                  </a:solidFill>
+                  <a:latin typeface="Tekton Pro" charset="0"/>
+                  <a:ea typeface="ＭＳ Ｐゴシック" charset="-128"/>
+                </a:defRPr>
+              </a:lvl6pPr>
+              <a:lvl7pPr marL="2971800" indent="-228600" algn="ctr" eaLnBrk="0" fontAlgn="base" hangingPunct="0">
+                <a:spcBef>
+                  <a:spcPct val="0"/>
+                </a:spcBef>
+                <a:spcAft>
+                  <a:spcPct val="0"/>
+                </a:spcAft>
+                <a:defRPr sz="2400">
+                  <a:solidFill>
+                    <a:schemeClr val="tx1"/>
+                  </a:solidFill>
+                  <a:latin typeface="Tekton Pro" charset="0"/>
+                  <a:ea typeface="ＭＳ Ｐゴシック" charset="-128"/>
+                </a:defRPr>
+              </a:lvl7pPr>
+              <a:lvl8pPr marL="3429000" indent="-228600" algn="ctr" eaLnBrk="0" fontAlgn="base" hangingPunct="0">
+                <a:spcBef>
+                  <a:spcPct val="0"/>
+                </a:spcBef>
+                <a:spcAft>
+                  <a:spcPct val="0"/>
+                </a:spcAft>
+                <a:defRPr sz="2400">
+                  <a:solidFill>
+                    <a:schemeClr val="tx1"/>
+                  </a:solidFill>
+                  <a:latin typeface="Tekton Pro" charset="0"/>
+                  <a:ea typeface="ＭＳ Ｐゴシック" charset="-128"/>
+                </a:defRPr>
+              </a:lvl8pPr>
+              <a:lvl9pPr marL="3886200" indent="-228600" algn="ctr" eaLnBrk="0" fontAlgn="base" hangingPunct="0">
+                <a:spcBef>
+                  <a:spcPct val="0"/>
+                </a:spcBef>
+                <a:spcAft>
+                  <a:spcPct val="0"/>
+                </a:spcAft>
+                <a:defRPr sz="2400">
+                  <a:solidFill>
+                    <a:schemeClr val="tx1"/>
+                  </a:solidFill>
+                  <a:latin typeface="Tekton Pro" charset="0"/>
+                  <a:ea typeface="ＭＳ Ｐゴシック" charset="-128"/>
+                </a:defRPr>
+              </a:lvl9pPr>
+            </a:lstStyle>
+            <a:p>
+              <a:endParaRPr lang="en-US" altLang="en-US" sz="2000" b="1"/>
+            </a:p>
+          </p:txBody>
+        </p:sp>
+        <p:sp>
+          <p:nvSpPr>
+            <p:cNvPr id="8" name="Rectangle 9">
+              <a:extLst>
+                <a:ext uri="{FF2B5EF4-FFF2-40B4-BE49-F238E27FC236}">
+                  <a16:creationId xmlns:a16="http://schemas.microsoft.com/office/drawing/2014/main" id="{2E9A85BA-A04E-378B-2375-046A567C1B8A}"/>
+                </a:ext>
+              </a:extLst>
+            </p:cNvPr>
+            <p:cNvSpPr>
+              <a:spLocks noChangeArrowheads="1"/>
+            </p:cNvSpPr>
+            <p:nvPr/>
+          </p:nvSpPr>
+          <p:spPr bwMode="auto">
+            <a:xfrm>
+              <a:off x="96" y="976"/>
+              <a:ext cx="2135" cy="1822"/>
+            </a:xfrm>
+            <a:prstGeom prst="rect">
+              <a:avLst/>
+            </a:prstGeom>
+            <a:noFill/>
+            <a:ln>
+              <a:noFill/>
+            </a:ln>
+            <a:extLst>
+              <a:ext uri="{909E8E84-426E-40DD-AFC4-6F175D3DCCD1}">
+                <a14:hiddenFill xmlns:a14="http://schemas.microsoft.com/office/drawing/2010/main">
+                  <a:solidFill>
+                    <a:srgbClr val="FFFFFF"/>
+                  </a:solidFill>
+                </a14:hiddenFill>
+              </a:ext>
+              <a:ext uri="{91240B29-F687-4F45-9708-019B960494DF}">
+                <a14:hiddenLine xmlns:a14="http://schemas.microsoft.com/office/drawing/2010/main" w="9525">
+                  <a:solidFill>
+                    <a:srgbClr val="000000"/>
+                  </a:solidFill>
+                  <a:miter lim="800000"/>
+                  <a:headEnd/>
+                  <a:tailEnd/>
+                </a14:hiddenLine>
+              </a:ext>
+            </a:extLst>
+          </p:spPr>
+          <p:txBody>
+            <a:bodyPr wrap="square">
+              <a:spAutoFit/>
+            </a:bodyPr>
+            <a:lstStyle>
+              <a:lvl1pPr marL="171450" indent="-171450" eaLnBrk="0" hangingPunct="0">
+                <a:defRPr sz="2400">
+                  <a:solidFill>
+                    <a:schemeClr val="tx1"/>
+                  </a:solidFill>
+                  <a:latin typeface="Tekton Pro" charset="0"/>
+                  <a:ea typeface="ＭＳ Ｐゴシック" charset="-128"/>
+                </a:defRPr>
+              </a:lvl1pPr>
+              <a:lvl2pPr marL="742950" indent="-285750" eaLnBrk="0" hangingPunct="0">
+                <a:defRPr sz="2400">
+                  <a:solidFill>
+                    <a:schemeClr val="tx1"/>
+                  </a:solidFill>
+                  <a:latin typeface="Tekton Pro" charset="0"/>
+                  <a:ea typeface="ＭＳ Ｐゴシック" charset="-128"/>
+                </a:defRPr>
+              </a:lvl2pPr>
+              <a:lvl3pPr marL="1143000" indent="-228600" eaLnBrk="0" hangingPunct="0">
+                <a:defRPr sz="2400">
+                  <a:solidFill>
+                    <a:schemeClr val="tx1"/>
+                  </a:solidFill>
+                  <a:latin typeface="Tekton Pro" charset="0"/>
+                  <a:ea typeface="ＭＳ Ｐゴシック" charset="-128"/>
+                </a:defRPr>
+              </a:lvl3pPr>
+              <a:lvl4pPr marL="1600200" indent="-228600" eaLnBrk="0" hangingPunct="0">
+                <a:defRPr sz="2400">
+                  <a:solidFill>
+                    <a:schemeClr val="tx1"/>
+                  </a:solidFill>
+                  <a:latin typeface="Tekton Pro" charset="0"/>
+                  <a:ea typeface="ＭＳ Ｐゴシック" charset="-128"/>
+                </a:defRPr>
+              </a:lvl4pPr>
+              <a:lvl5pPr marL="2057400" indent="-228600" eaLnBrk="0" hangingPunct="0">
+                <a:defRPr sz="2400">
+                  <a:solidFill>
+                    <a:schemeClr val="tx1"/>
+                  </a:solidFill>
+                  <a:latin typeface="Tekton Pro" charset="0"/>
+                  <a:ea typeface="ＭＳ Ｐゴシック" charset="-128"/>
+                </a:defRPr>
+              </a:lvl5pPr>
+              <a:lvl6pPr marL="2514600" indent="-228600" algn="ctr" eaLnBrk="0" fontAlgn="base" hangingPunct="0">
+                <a:spcBef>
+                  <a:spcPct val="0"/>
+                </a:spcBef>
+                <a:spcAft>
+                  <a:spcPct val="0"/>
+                </a:spcAft>
+                <a:defRPr sz="2400">
+                  <a:solidFill>
+                    <a:schemeClr val="tx1"/>
+                  </a:solidFill>
+                  <a:latin typeface="Tekton Pro" charset="0"/>
+                  <a:ea typeface="ＭＳ Ｐゴシック" charset="-128"/>
+                </a:defRPr>
+              </a:lvl6pPr>
+              <a:lvl7pPr marL="2971800" indent="-228600" algn="ctr" eaLnBrk="0" fontAlgn="base" hangingPunct="0">
+                <a:spcBef>
+                  <a:spcPct val="0"/>
+                </a:spcBef>
+                <a:spcAft>
+                  <a:spcPct val="0"/>
+                </a:spcAft>
+                <a:defRPr sz="2400">
+                  <a:solidFill>
+                    <a:schemeClr val="tx1"/>
+                  </a:solidFill>
+                  <a:latin typeface="Tekton Pro" charset="0"/>
+                  <a:ea typeface="ＭＳ Ｐゴシック" charset="-128"/>
+                </a:defRPr>
+              </a:lvl7pPr>
+              <a:lvl8pPr marL="3429000" indent="-228600" algn="ctr" eaLnBrk="0" fontAlgn="base" hangingPunct="0">
+                <a:spcBef>
+                  <a:spcPct val="0"/>
+                </a:spcBef>
+                <a:spcAft>
+                  <a:spcPct val="0"/>
+                </a:spcAft>
+                <a:defRPr sz="2400">
+                  <a:solidFill>
+                    <a:schemeClr val="tx1"/>
+                  </a:solidFill>
+                  <a:latin typeface="Tekton Pro" charset="0"/>
+                  <a:ea typeface="ＭＳ Ｐゴシック" charset="-128"/>
+                </a:defRPr>
+              </a:lvl8pPr>
+              <a:lvl9pPr marL="3886200" indent="-228600" algn="ctr" eaLnBrk="0" fontAlgn="base" hangingPunct="0">
+                <a:spcBef>
+                  <a:spcPct val="0"/>
+                </a:spcBef>
+                <a:spcAft>
+                  <a:spcPct val="0"/>
+                </a:spcAft>
+                <a:defRPr sz="2400">
+                  <a:solidFill>
+                    <a:schemeClr val="tx1"/>
+                  </a:solidFill>
+                  <a:latin typeface="Tekton Pro" charset="0"/>
+                  <a:ea typeface="ＭＳ Ｐゴシック" charset="-128"/>
+                </a:defRPr>
+              </a:lvl9pPr>
+            </a:lstStyle>
+            <a:p>
+              <a:pPr algn="ctr"/>
+              <a:r>
+                <a:rPr lang="en-US" altLang="en-US" sz="1300" dirty="0">
+                  <a:latin typeface="Arial" charset="0"/>
+                  <a:ea typeface="Arial" charset="0"/>
+                  <a:cs typeface="Arial" charset="0"/>
+                </a:rPr>
+                <a:t>Long, long, time ago, I can still remember</a:t>
+              </a:r>
+            </a:p>
+            <a:p>
+              <a:pPr algn="ctr"/>
+              <a:r>
+                <a:rPr lang="en-US" altLang="en-US" sz="1300" dirty="0">
+                  <a:latin typeface="Arial" charset="0"/>
+                  <a:ea typeface="Arial" charset="0"/>
+                  <a:cs typeface="Arial" charset="0"/>
+                </a:rPr>
+                <a:t> how mnemonics used to make me smile... </a:t>
+              </a:r>
+            </a:p>
+            <a:p>
+              <a:pPr algn="ctr"/>
+              <a:r>
+                <a:rPr lang="en-US" altLang="en-US" sz="1300" dirty="0">
+                  <a:latin typeface="Arial" charset="0"/>
+                  <a:ea typeface="Arial" charset="0"/>
+                  <a:cs typeface="Arial" charset="0"/>
+                </a:rPr>
+                <a:t>And I knew that with just the opcode names</a:t>
+              </a:r>
+            </a:p>
+            <a:p>
+              <a:pPr algn="ctr"/>
+              <a:r>
+                <a:rPr lang="en-US" altLang="en-US" sz="1300" dirty="0">
+                  <a:latin typeface="Arial" charset="0"/>
+                  <a:ea typeface="Arial" charset="0"/>
+                  <a:cs typeface="Arial" charset="0"/>
+                </a:rPr>
+                <a:t>  that I could play those Beta games</a:t>
+              </a:r>
+            </a:p>
+            <a:p>
+              <a:pPr algn="ctr"/>
+              <a:r>
+                <a:rPr lang="en-US" altLang="en-US" sz="1300" dirty="0">
+                  <a:latin typeface="Arial" charset="0"/>
+                  <a:ea typeface="Arial" charset="0"/>
+                  <a:cs typeface="Arial" charset="0"/>
+                </a:rPr>
+                <a:t> and maybe hack some macros for a while.</a:t>
+              </a:r>
+            </a:p>
+            <a:p>
+              <a:pPr algn="ctr"/>
+              <a:r>
+                <a:rPr lang="en-US" altLang="en-US" sz="1300" dirty="0">
+                  <a:latin typeface="Arial" charset="0"/>
+                  <a:ea typeface="Arial" charset="0"/>
+                  <a:cs typeface="Arial" charset="0"/>
+                </a:rPr>
+                <a:t>But 6.004 gave me shivers</a:t>
+              </a:r>
+            </a:p>
+            <a:p>
+              <a:pPr algn="ctr"/>
+              <a:r>
+                <a:rPr lang="en-US" altLang="en-US" sz="1300" dirty="0">
+                  <a:latin typeface="Arial" charset="0"/>
+                  <a:ea typeface="Arial" charset="0"/>
+                  <a:cs typeface="Arial" charset="0"/>
+                </a:rPr>
+                <a:t> with every lecture they delivered.</a:t>
+              </a:r>
+            </a:p>
+            <a:p>
+              <a:pPr algn="ctr"/>
+              <a:r>
+                <a:rPr lang="en-US" altLang="en-US" sz="1300" dirty="0">
+                  <a:latin typeface="Arial" charset="0"/>
+                  <a:ea typeface="Arial" charset="0"/>
+                  <a:cs typeface="Arial" charset="0"/>
+                </a:rPr>
+                <a:t>Bad news at the door step,</a:t>
+              </a:r>
+            </a:p>
+            <a:p>
+              <a:pPr algn="ctr"/>
+              <a:r>
+                <a:rPr lang="en-US" altLang="en-US" sz="1300" dirty="0">
+                  <a:latin typeface="Arial" charset="0"/>
+                  <a:ea typeface="Arial" charset="0"/>
+                  <a:cs typeface="Arial" charset="0"/>
+                </a:rPr>
+                <a:t>I couldn’</a:t>
+              </a:r>
+              <a:r>
+                <a:rPr lang="en-US" altLang="ja-JP" sz="1300" dirty="0">
+                  <a:latin typeface="Arial" charset="0"/>
+                  <a:ea typeface="Arial" charset="0"/>
+                  <a:cs typeface="Arial" charset="0"/>
+                </a:rPr>
+                <a:t>t read one more spec.</a:t>
+              </a:r>
+            </a:p>
+            <a:p>
+              <a:pPr algn="ctr"/>
+              <a:r>
+                <a:rPr lang="en-US" altLang="en-US" sz="1300" dirty="0">
+                  <a:latin typeface="Arial" charset="0"/>
+                  <a:ea typeface="Arial" charset="0"/>
+                  <a:cs typeface="Arial" charset="0"/>
+                </a:rPr>
+                <a:t>I can’</a:t>
+              </a:r>
+              <a:r>
+                <a:rPr lang="en-US" altLang="ja-JP" sz="1300" dirty="0">
+                  <a:latin typeface="Arial" charset="0"/>
+                  <a:ea typeface="Arial" charset="0"/>
+                  <a:cs typeface="Arial" charset="0"/>
+                </a:rPr>
+                <a:t>t remember if I tried</a:t>
+              </a:r>
+            </a:p>
+            <a:p>
+              <a:pPr algn="ctr"/>
+              <a:r>
+                <a:rPr lang="en-US" altLang="en-US" sz="1300" dirty="0">
+                  <a:latin typeface="Arial" charset="0"/>
+                  <a:ea typeface="Arial" charset="0"/>
+                  <a:cs typeface="Arial" charset="0"/>
+                </a:rPr>
+                <a:t> to get Factorial optimized,</a:t>
+              </a:r>
+            </a:p>
+            <a:p>
+              <a:pPr algn="ctr"/>
+              <a:r>
+                <a:rPr lang="en-US" altLang="en-US" sz="1300" dirty="0">
+                  <a:latin typeface="Arial" charset="0"/>
+                  <a:ea typeface="Arial" charset="0"/>
+                  <a:cs typeface="Arial" charset="0"/>
+                </a:rPr>
+                <a:t>But something touched my nerdish pride</a:t>
+              </a:r>
+            </a:p>
+            <a:p>
+              <a:pPr algn="ctr"/>
+              <a:r>
+                <a:rPr lang="en-US" altLang="en-US" sz="1300" dirty="0">
+                  <a:latin typeface="Arial" charset="0"/>
+                  <a:ea typeface="Arial" charset="0"/>
+                  <a:cs typeface="Arial" charset="0"/>
+                </a:rPr>
+                <a:t>the day my Beta died.</a:t>
+              </a:r>
+            </a:p>
+            <a:p>
+              <a:pPr algn="ctr"/>
+              <a:r>
+                <a:rPr lang="en-US" altLang="en-US" sz="1300" dirty="0">
+                  <a:latin typeface="Arial" charset="0"/>
+                  <a:ea typeface="Arial" charset="0"/>
+                  <a:cs typeface="Arial" charset="0"/>
+                </a:rPr>
+                <a:t>And I was singing…</a:t>
+              </a:r>
+            </a:p>
+          </p:txBody>
+        </p:sp>
+      </p:grpSp>
+      <p:sp>
+        <p:nvSpPr>
+          <p:cNvPr id="9" name="TextBox 3">
+            <a:extLst>
+              <a:ext uri="{FF2B5EF4-FFF2-40B4-BE49-F238E27FC236}">
+                <a16:creationId xmlns:a16="http://schemas.microsoft.com/office/drawing/2014/main" id="{9A3F4593-84CD-3B5F-C199-D725BB0A9CE0}"/>
+              </a:ext>
+            </a:extLst>
+          </p:cNvPr>
+          <p:cNvSpPr txBox="1">
+            <a:spLocks noChangeArrowheads="1"/>
+          </p:cNvSpPr>
+          <p:nvPr/>
+        </p:nvSpPr>
+        <p:spPr bwMode="auto">
+          <a:xfrm>
+            <a:off x="2057400" y="4538246"/>
+            <a:ext cx="1484702" cy="338554"/>
+          </a:xfrm>
+          <a:prstGeom prst="rect">
+            <a:avLst/>
+          </a:prstGeom>
+          <a:noFill/>
+          <a:ln>
+            <a:noFill/>
+          </a:ln>
+          <a:extLst>
+            <a:ext uri="{909E8E84-426E-40DD-AFC4-6F175D3DCCD1}">
+              <a14:hiddenFill xmlns:a14="http://schemas.microsoft.com/office/drawing/2010/main">
+                <a:solidFill>
+                  <a:srgbClr val="FFFFFF"/>
+                </a:solidFill>
+              </a14:hiddenFill>
+            </a:ext>
+            <a:ext uri="{91240B29-F687-4F45-9708-019B960494DF}">
+              <a14:hiddenLine xmlns:a14="http://schemas.microsoft.com/office/drawing/2010/main" w="9525">
+                <a:solidFill>
+                  <a:srgbClr val="000000"/>
+                </a:solidFill>
+                <a:miter lim="800000"/>
+                <a:headEnd/>
+                <a:tailEnd/>
+              </a14:hiddenLine>
+            </a:ext>
+          </a:extLst>
+        </p:spPr>
+        <p:txBody>
+          <a:bodyPr wrap="none">
+            <a:spAutoFit/>
+          </a:bodyPr>
+          <a:lstStyle>
+            <a:lvl1pPr eaLnBrk="0" hangingPunct="0">
+              <a:defRPr sz="2400">
+                <a:solidFill>
+                  <a:schemeClr val="tx1"/>
+                </a:solidFill>
+                <a:latin typeface="Tekton Pro" charset="0"/>
+                <a:ea typeface="ＭＳ Ｐゴシック" charset="-128"/>
+              </a:defRPr>
+            </a:lvl1pPr>
+            <a:lvl2pPr marL="742950" indent="-285750" eaLnBrk="0" hangingPunct="0">
+              <a:defRPr sz="2400">
+                <a:solidFill>
+                  <a:schemeClr val="tx1"/>
+                </a:solidFill>
+                <a:latin typeface="Tekton Pro" charset="0"/>
+                <a:ea typeface="ＭＳ Ｐゴシック" charset="-128"/>
+              </a:defRPr>
+            </a:lvl2pPr>
+            <a:lvl3pPr marL="1143000" indent="-228600" eaLnBrk="0" hangingPunct="0">
+              <a:defRPr sz="2400">
+                <a:solidFill>
+                  <a:schemeClr val="tx1"/>
+                </a:solidFill>
+                <a:latin typeface="Tekton Pro" charset="0"/>
+                <a:ea typeface="ＭＳ Ｐゴシック" charset="-128"/>
+              </a:defRPr>
+            </a:lvl3pPr>
+            <a:lvl4pPr marL="1600200" indent="-228600" eaLnBrk="0" hangingPunct="0">
+              <a:defRPr sz="2400">
+                <a:solidFill>
+                  <a:schemeClr val="tx1"/>
+                </a:solidFill>
+                <a:latin typeface="Tekton Pro" charset="0"/>
+                <a:ea typeface="ＭＳ Ｐゴシック" charset="-128"/>
+              </a:defRPr>
+            </a:lvl4pPr>
+            <a:lvl5pPr marL="2057400" indent="-228600" eaLnBrk="0" hangingPunct="0">
+              <a:defRPr sz="2400">
+                <a:solidFill>
+                  <a:schemeClr val="tx1"/>
+                </a:solidFill>
+                <a:latin typeface="Tekton Pro" charset="0"/>
+                <a:ea typeface="ＭＳ Ｐゴシック" charset="-128"/>
+              </a:defRPr>
+            </a:lvl5pPr>
+            <a:lvl6pPr marL="2514600" indent="-228600" algn="ctr" eaLnBrk="0" fontAlgn="base" hangingPunct="0">
+              <a:spcBef>
+                <a:spcPct val="0"/>
+              </a:spcBef>
+              <a:spcAft>
+                <a:spcPct val="0"/>
+              </a:spcAft>
+              <a:defRPr sz="2400">
+                <a:solidFill>
+                  <a:schemeClr val="tx1"/>
+                </a:solidFill>
+                <a:latin typeface="Tekton Pro" charset="0"/>
+                <a:ea typeface="ＭＳ Ｐゴシック" charset="-128"/>
+              </a:defRPr>
+            </a:lvl6pPr>
+            <a:lvl7pPr marL="2971800" indent="-228600" algn="ctr" eaLnBrk="0" fontAlgn="base" hangingPunct="0">
+              <a:spcBef>
+                <a:spcPct val="0"/>
+              </a:spcBef>
+              <a:spcAft>
+                <a:spcPct val="0"/>
+              </a:spcAft>
+              <a:defRPr sz="2400">
+                <a:solidFill>
+                  <a:schemeClr val="tx1"/>
+                </a:solidFill>
+                <a:latin typeface="Tekton Pro" charset="0"/>
+                <a:ea typeface="ＭＳ Ｐゴシック" charset="-128"/>
+              </a:defRPr>
+            </a:lvl7pPr>
+            <a:lvl8pPr marL="3429000" indent="-228600" algn="ctr" eaLnBrk="0" fontAlgn="base" hangingPunct="0">
+              <a:spcBef>
+                <a:spcPct val="0"/>
+              </a:spcBef>
+              <a:spcAft>
+                <a:spcPct val="0"/>
+              </a:spcAft>
+              <a:defRPr sz="2400">
+                <a:solidFill>
+                  <a:schemeClr val="tx1"/>
+                </a:solidFill>
+                <a:latin typeface="Tekton Pro" charset="0"/>
+                <a:ea typeface="ＭＳ Ｐゴシック" charset="-128"/>
+              </a:defRPr>
+            </a:lvl8pPr>
+            <a:lvl9pPr marL="3886200" indent="-228600" algn="ctr" eaLnBrk="0" fontAlgn="base" hangingPunct="0">
+              <a:spcBef>
+                <a:spcPct val="0"/>
+              </a:spcBef>
+              <a:spcAft>
+                <a:spcPct val="0"/>
+              </a:spcAft>
+              <a:defRPr sz="2400">
+                <a:solidFill>
+                  <a:schemeClr val="tx1"/>
+                </a:solidFill>
+                <a:latin typeface="Tekton Pro" charset="0"/>
+                <a:ea typeface="ＭＳ Ｐゴシック" charset="-128"/>
+              </a:defRPr>
+            </a:lvl9pPr>
+          </a:lstStyle>
+          <a:p>
+            <a:pPr eaLnBrk="1" hangingPunct="1"/>
+            <a:r>
+              <a:rPr lang="en-US" altLang="en-US" sz="1600" b="1" i="1">
+                <a:latin typeface="Arial" charset="0"/>
+                <a:ea typeface="Arial" charset="0"/>
+                <a:cs typeface="Arial" charset="0"/>
+              </a:rPr>
+              <a:t>American Pie</a:t>
             </a:r>
           </a:p>
         </p:txBody>
       </p:sp>
       <p:sp>
         <p:nvSpPr>
-          <p:cNvPr id="4" name="Subtitle 3"/>
-          <p:cNvSpPr>
-            <a:spLocks noGrp="1"/>
+          <p:cNvPr id="10" name="TextBox 13">
+            <a:extLst>
+              <a:ext uri="{FF2B5EF4-FFF2-40B4-BE49-F238E27FC236}">
+                <a16:creationId xmlns:a16="http://schemas.microsoft.com/office/drawing/2014/main" id="{5AE99C42-48A3-58E6-2B5D-756DA1CEE2DE}"/>
+              </a:ext>
+            </a:extLst>
+          </p:cNvPr>
+          <p:cNvSpPr txBox="1">
+            <a:spLocks noChangeArrowheads="1"/>
           </p:cNvSpPr>
-          <p:nvPr>
-            <p:ph type="subTitle" idx="1"/>
-          </p:nvPr>
+          <p:nvPr/>
         </p:nvSpPr>
-        <p:spPr/>
+        <p:spPr bwMode="auto">
+          <a:xfrm>
+            <a:off x="8001000" y="2709446"/>
+            <a:ext cx="995785" cy="338554"/>
+          </a:xfrm>
+          <a:prstGeom prst="rect">
+            <a:avLst/>
+          </a:prstGeom>
+          <a:noFill/>
+          <a:ln>
+            <a:noFill/>
+          </a:ln>
+          <a:extLst>
+            <a:ext uri="{909E8E84-426E-40DD-AFC4-6F175D3DCCD1}">
+              <a14:hiddenFill xmlns:a14="http://schemas.microsoft.com/office/drawing/2010/main">
+                <a:solidFill>
+                  <a:srgbClr val="FFFFFF"/>
+                </a:solidFill>
+              </a14:hiddenFill>
+            </a:ext>
+            <a:ext uri="{91240B29-F687-4F45-9708-019B960494DF}">
+              <a14:hiddenLine xmlns:a14="http://schemas.microsoft.com/office/drawing/2010/main" w="9525">
+                <a:solidFill>
+                  <a:srgbClr val="000000"/>
+                </a:solidFill>
+                <a:miter lim="800000"/>
+                <a:headEnd/>
+                <a:tailEnd/>
+              </a14:hiddenLine>
+            </a:ext>
+          </a:extLst>
+        </p:spPr>
         <p:txBody>
-          <a:bodyPr/>
-          <a:lstStyle/>
+          <a:bodyPr wrap="none">
+            <a:spAutoFit/>
+          </a:bodyPr>
+          <a:lstStyle>
+            <a:lvl1pPr eaLnBrk="0" hangingPunct="0">
+              <a:defRPr sz="2400">
+                <a:solidFill>
+                  <a:schemeClr val="tx1"/>
+                </a:solidFill>
+                <a:latin typeface="Tekton Pro" charset="0"/>
+                <a:ea typeface="ＭＳ Ｐゴシック" charset="-128"/>
+              </a:defRPr>
+            </a:lvl1pPr>
+            <a:lvl2pPr marL="742950" indent="-285750" eaLnBrk="0" hangingPunct="0">
+              <a:defRPr sz="2400">
+                <a:solidFill>
+                  <a:schemeClr val="tx1"/>
+                </a:solidFill>
+                <a:latin typeface="Tekton Pro" charset="0"/>
+                <a:ea typeface="ＭＳ Ｐゴシック" charset="-128"/>
+              </a:defRPr>
+            </a:lvl2pPr>
+            <a:lvl3pPr marL="1143000" indent="-228600" eaLnBrk="0" hangingPunct="0">
+              <a:defRPr sz="2400">
+                <a:solidFill>
+                  <a:schemeClr val="tx1"/>
+                </a:solidFill>
+                <a:latin typeface="Tekton Pro" charset="0"/>
+                <a:ea typeface="ＭＳ Ｐゴシック" charset="-128"/>
+              </a:defRPr>
+            </a:lvl3pPr>
+            <a:lvl4pPr marL="1600200" indent="-228600" eaLnBrk="0" hangingPunct="0">
+              <a:defRPr sz="2400">
+                <a:solidFill>
+                  <a:schemeClr val="tx1"/>
+                </a:solidFill>
+                <a:latin typeface="Tekton Pro" charset="0"/>
+                <a:ea typeface="ＭＳ Ｐゴシック" charset="-128"/>
+              </a:defRPr>
+            </a:lvl4pPr>
+            <a:lvl5pPr marL="2057400" indent="-228600" eaLnBrk="0" hangingPunct="0">
+              <a:defRPr sz="2400">
+                <a:solidFill>
+                  <a:schemeClr val="tx1"/>
+                </a:solidFill>
+                <a:latin typeface="Tekton Pro" charset="0"/>
+                <a:ea typeface="ＭＳ Ｐゴシック" charset="-128"/>
+              </a:defRPr>
+            </a:lvl5pPr>
+            <a:lvl6pPr marL="2514600" indent="-228600" algn="ctr" eaLnBrk="0" fontAlgn="base" hangingPunct="0">
+              <a:spcBef>
+                <a:spcPct val="0"/>
+              </a:spcBef>
+              <a:spcAft>
+                <a:spcPct val="0"/>
+              </a:spcAft>
+              <a:defRPr sz="2400">
+                <a:solidFill>
+                  <a:schemeClr val="tx1"/>
+                </a:solidFill>
+                <a:latin typeface="Tekton Pro" charset="0"/>
+                <a:ea typeface="ＭＳ Ｐゴシック" charset="-128"/>
+              </a:defRPr>
+            </a:lvl6pPr>
+            <a:lvl7pPr marL="2971800" indent="-228600" algn="ctr" eaLnBrk="0" fontAlgn="base" hangingPunct="0">
+              <a:spcBef>
+                <a:spcPct val="0"/>
+              </a:spcBef>
+              <a:spcAft>
+                <a:spcPct val="0"/>
+              </a:spcAft>
+              <a:defRPr sz="2400">
+                <a:solidFill>
+                  <a:schemeClr val="tx1"/>
+                </a:solidFill>
+                <a:latin typeface="Tekton Pro" charset="0"/>
+                <a:ea typeface="ＭＳ Ｐゴシック" charset="-128"/>
+              </a:defRPr>
+            </a:lvl7pPr>
+            <a:lvl8pPr marL="3429000" indent="-228600" algn="ctr" eaLnBrk="0" fontAlgn="base" hangingPunct="0">
+              <a:spcBef>
+                <a:spcPct val="0"/>
+              </a:spcBef>
+              <a:spcAft>
+                <a:spcPct val="0"/>
+              </a:spcAft>
+              <a:defRPr sz="2400">
+                <a:solidFill>
+                  <a:schemeClr val="tx1"/>
+                </a:solidFill>
+                <a:latin typeface="Tekton Pro" charset="0"/>
+                <a:ea typeface="ＭＳ Ｐゴシック" charset="-128"/>
+              </a:defRPr>
+            </a:lvl8pPr>
+            <a:lvl9pPr marL="3886200" indent="-228600" algn="ctr" eaLnBrk="0" fontAlgn="base" hangingPunct="0">
+              <a:spcBef>
+                <a:spcPct val="0"/>
+              </a:spcBef>
+              <a:spcAft>
+                <a:spcPct val="0"/>
+              </a:spcAft>
+              <a:defRPr sz="2400">
+                <a:solidFill>
+                  <a:schemeClr val="tx1"/>
+                </a:solidFill>
+                <a:latin typeface="Tekton Pro" charset="0"/>
+                <a:ea typeface="ＭＳ Ｐゴシック" charset="-128"/>
+              </a:defRPr>
+            </a:lvl9pPr>
+          </a:lstStyle>
           <a:p>
-            <a:pPr>
-              <a:defRPr/>
-            </a:pPr>
-            <a:r>
-              <a:rPr lang="en-US" dirty="0"/>
-              <a:t>6.004x Computation Structures</a:t>
-            </a:r>
-          </a:p>
-          <a:p>
-            <a:pPr>
-              <a:defRPr/>
-            </a:pPr>
-            <a:r>
-              <a:rPr lang="en-US" dirty="0"/>
-              <a:t>Part 2 – Computer Architecture</a:t>
-            </a:r>
-          </a:p>
-          <a:p>
-            <a:pPr>
-              <a:defRPr/>
-            </a:pPr>
-            <a:endParaRPr lang="en-US" dirty="0"/>
-          </a:p>
-          <a:p>
-            <a:pPr>
-              <a:defRPr/>
-            </a:pPr>
-            <a:r>
-              <a:rPr lang="en-US" dirty="0"/>
-              <a:t>Copyright © 2015 MIT EECS</a:t>
+            <a:pPr eaLnBrk="1" hangingPunct="1"/>
+            <a:r>
+              <a:rPr lang="en-US" altLang="en-US" sz="1600" b="1" i="1">
+                <a:latin typeface="Arial" charset="0"/>
+                <a:ea typeface="Arial" charset="0"/>
+                <a:cs typeface="Arial" charset="0"/>
+              </a:rPr>
+              <a:t>Let It Be</a:t>
             </a:r>
           </a:p>
         </p:txBody>
@@ -5919,6 +7167,127 @@
   <p:clrMapOvr>
     <a:masterClrMapping/>
   </p:clrMapOvr>
+  <p:timing>
+    <p:tnLst>
+      <p:par>
+        <p:cTn id="1" dur="indefinite" restart="never" nodeType="tmRoot">
+          <p:childTnLst>
+            <p:seq concurrent="1" nextAc="seek">
+              <p:cTn id="2" dur="indefinite" nodeType="mainSeq">
+                <p:childTnLst>
+                  <p:par>
+                    <p:cTn id="3" fill="hold">
+                      <p:stCondLst>
+                        <p:cond delay="indefinite"/>
+                        <p:cond evt="onBegin" delay="0">
+                          <p:tn val="2"/>
+                        </p:cond>
+                      </p:stCondLst>
+                      <p:childTnLst>
+                        <p:par>
+                          <p:cTn id="4" fill="hold">
+                            <p:stCondLst>
+                              <p:cond delay="0"/>
+                            </p:stCondLst>
+                            <p:childTnLst>
+                              <p:par>
+                                <p:cTn id="5" presetID="9" presetClass="entr" presetSubtype="0" fill="hold" nodeType="withEffect">
+                                  <p:stCondLst>
+                                    <p:cond delay="0"/>
+                                  </p:stCondLst>
+                                  <p:childTnLst>
+                                    <p:set>
+                                      <p:cBhvr>
+                                        <p:cTn id="6" dur="1" fill="hold">
+                                          <p:stCondLst>
+                                            <p:cond delay="0"/>
+                                          </p:stCondLst>
+                                        </p:cTn>
+                                        <p:tgtEl>
+                                          <p:spTgt spid="6"/>
+                                        </p:tgtEl>
+                                        <p:attrNameLst>
+                                          <p:attrName>style.visibility</p:attrName>
+                                        </p:attrNameLst>
+                                      </p:cBhvr>
+                                      <p:to>
+                                        <p:strVal val="visible"/>
+                                      </p:to>
+                                    </p:set>
+                                    <p:animEffect transition="in" filter="dissolve">
+                                      <p:cBhvr>
+                                        <p:cTn id="7" dur="500"/>
+                                        <p:tgtEl>
+                                          <p:spTgt spid="6"/>
+                                        </p:tgtEl>
+                                      </p:cBhvr>
+                                    </p:animEffect>
+                                  </p:childTnLst>
+                                </p:cTn>
+                              </p:par>
+                              <p:par>
+                                <p:cTn id="8" presetID="9" presetClass="entr" presetSubtype="0" fill="hold" nodeType="withEffect">
+                                  <p:stCondLst>
+                                    <p:cond delay="0"/>
+                                  </p:stCondLst>
+                                  <p:childTnLst>
+                                    <p:set>
+                                      <p:cBhvr>
+                                        <p:cTn id="9" dur="1" fill="hold">
+                                          <p:stCondLst>
+                                            <p:cond delay="0"/>
+                                          </p:stCondLst>
+                                        </p:cTn>
+                                        <p:tgtEl>
+                                          <p:spTgt spid="3"/>
+                                        </p:tgtEl>
+                                        <p:attrNameLst>
+                                          <p:attrName>style.visibility</p:attrName>
+                                        </p:attrNameLst>
+                                      </p:cBhvr>
+                                      <p:to>
+                                        <p:strVal val="visible"/>
+                                      </p:to>
+                                    </p:set>
+                                    <p:animEffect transition="in" filter="dissolve">
+                                      <p:cBhvr>
+                                        <p:cTn id="10" dur="500"/>
+                                        <p:tgtEl>
+                                          <p:spTgt spid="3"/>
+                                        </p:tgtEl>
+                                      </p:cBhvr>
+                                    </p:animEffect>
+                                  </p:childTnLst>
+                                </p:cTn>
+                              </p:par>
+                            </p:childTnLst>
+                          </p:cTn>
+                        </p:par>
+                      </p:childTnLst>
+                    </p:cTn>
+                  </p:par>
+                </p:childTnLst>
+              </p:cTn>
+              <p:prevCondLst>
+                <p:cond evt="onPrev" delay="0">
+                  <p:tgtEl>
+                    <p:sldTgt/>
+                  </p:tgtEl>
+                </p:cond>
+              </p:prevCondLst>
+              <p:nextCondLst>
+                <p:cond evt="onNext" delay="0">
+                  <p:tgtEl>
+                    <p:sldTgt/>
+                  </p:tgtEl>
+                </p:cond>
+              </p:nextCondLst>
+            </p:seq>
+          </p:childTnLst>
+        </p:cTn>
+      </p:par>
+    </p:tnLst>
+  </p:timing>
 </p:sld>
 </file>
 

--- a/lecture_slides/assembly.pptx
+++ b/lecture_slides/assembly.pptx
@@ -633,10 +633,10 @@
           </a:ln>
           <a:extLst>
             <a:ext uri="{FAA26D3D-D897-4be2-8F04-BA451C77F1D7}">
-              <ma14:placeholderFlag xmlns:ma14="http://schemas.microsoft.com/office/mac/drawingml/2011/main" xmlns="" val="1"/>
+              <ma14:placeholderFlag xmlns="" xmlns:ma14="http://schemas.microsoft.com/office/mac/drawingml/2011/main" val="1"/>
             </a:ext>
             <a:ext uri="{909E8E84-426E-40dd-AFC4-6F175D3DCCD1}">
-              <a14:hiddenFill xmlns="" xmlns:a14="http://schemas.microsoft.com/office/drawing/2010/main">
+              <a14:hiddenFill xmlns:a14="http://schemas.microsoft.com/office/drawing/2010/main" xmlns="">
                 <a:solidFill>
                   <a:srgbClr val="FFFFFF"/>
                 </a:solidFill>
@@ -659,17 +659,17 @@
           <a:noFill/>
           <a:extLst>
             <a:ext uri="{FAA26D3D-D897-4be2-8F04-BA451C77F1D7}">
-              <ma14:placeholderFlag xmlns:ma14="http://schemas.microsoft.com/office/mac/drawingml/2011/main" xmlns="" val="1"/>
+              <ma14:placeholderFlag xmlns="" xmlns:ma14="http://schemas.microsoft.com/office/mac/drawingml/2011/main" val="1"/>
             </a:ext>
             <a:ext uri="{909E8E84-426E-40dd-AFC4-6F175D3DCCD1}">
-              <a14:hiddenFill xmlns="" xmlns:a14="http://schemas.microsoft.com/office/drawing/2010/main">
+              <a14:hiddenFill xmlns:a14="http://schemas.microsoft.com/office/drawing/2010/main" xmlns="">
                 <a:solidFill>
                   <a:srgbClr val="FFFFFF"/>
                 </a:solidFill>
               </a14:hiddenFill>
             </a:ext>
             <a:ext uri="{91240B29-F687-4f45-9708-019B960494DF}">
-              <a14:hiddenLine xmlns="" xmlns:a14="http://schemas.microsoft.com/office/drawing/2010/main" w="9525">
+              <a14:hiddenLine xmlns:a14="http://schemas.microsoft.com/office/drawing/2010/main" xmlns="" w="9525">
                 <a:solidFill>
                   <a:srgbClr val="000000"/>
                 </a:solidFill>
@@ -706,14 +706,14 @@
           <a:noFill/>
           <a:extLst>
             <a:ext uri="{909E8E84-426E-40dd-AFC4-6F175D3DCCD1}">
-              <a14:hiddenFill xmlns="" xmlns:a14="http://schemas.microsoft.com/office/drawing/2010/main">
+              <a14:hiddenFill xmlns:a14="http://schemas.microsoft.com/office/drawing/2010/main" xmlns="">
                 <a:solidFill>
                   <a:srgbClr val="FFFFFF"/>
                 </a:solidFill>
               </a14:hiddenFill>
             </a:ext>
             <a:ext uri="{91240B29-F687-4f45-9708-019B960494DF}">
-              <a14:hiddenLine xmlns="" xmlns:a14="http://schemas.microsoft.com/office/drawing/2010/main" w="9525">
+              <a14:hiddenLine xmlns:a14="http://schemas.microsoft.com/office/drawing/2010/main" xmlns="" w="9525">
                 <a:solidFill>
                   <a:srgbClr val="000000"/>
                 </a:solidFill>
@@ -957,17 +957,17 @@
           <a:ln/>
           <a:extLst>
             <a:ext uri="{FAA26D3D-D897-4be2-8F04-BA451C77F1D7}">
-              <ma14:placeholderFlag xmlns:ma14="http://schemas.microsoft.com/office/mac/drawingml/2011/main" xmlns="" val="1"/>
+              <ma14:placeholderFlag xmlns="" xmlns:ma14="http://schemas.microsoft.com/office/mac/drawingml/2011/main" val="1"/>
             </a:ext>
             <a:ext uri="{909E8E84-426E-40dd-AFC4-6F175D3DCCD1}">
-              <a14:hiddenFill xmlns="" xmlns:a14="http://schemas.microsoft.com/office/drawing/2010/main">
+              <a14:hiddenFill xmlns:a14="http://schemas.microsoft.com/office/drawing/2010/main" xmlns="">
                 <a:solidFill>
                   <a:srgbClr val="FFFFFF"/>
                 </a:solidFill>
               </a14:hiddenFill>
             </a:ext>
             <a:ext uri="{91240B29-F687-4f45-9708-019B960494DF}">
-              <a14:hiddenLine xmlns="" xmlns:a14="http://schemas.microsoft.com/office/drawing/2010/main" w="9525">
+              <a14:hiddenLine xmlns:a14="http://schemas.microsoft.com/office/drawing/2010/main" xmlns="" w="9525">
                 <a:solidFill>
                   <a:srgbClr val="000000"/>
                 </a:solidFill>
@@ -1050,17 +1050,17 @@
           <a:ln/>
           <a:extLst>
             <a:ext uri="{FAA26D3D-D897-4be2-8F04-BA451C77F1D7}">
-              <ma14:placeholderFlag xmlns:ma14="http://schemas.microsoft.com/office/mac/drawingml/2011/main" xmlns="" val="1"/>
+              <ma14:placeholderFlag xmlns="" xmlns:ma14="http://schemas.microsoft.com/office/mac/drawingml/2011/main" val="1"/>
             </a:ext>
             <a:ext uri="{909E8E84-426E-40dd-AFC4-6F175D3DCCD1}">
-              <a14:hiddenFill xmlns="" xmlns:a14="http://schemas.microsoft.com/office/drawing/2010/main">
+              <a14:hiddenFill xmlns:a14="http://schemas.microsoft.com/office/drawing/2010/main" xmlns="">
                 <a:solidFill>
                   <a:srgbClr val="FFFFFF"/>
                 </a:solidFill>
               </a14:hiddenFill>
             </a:ext>
             <a:ext uri="{91240B29-F687-4f45-9708-019B960494DF}">
-              <a14:hiddenLine xmlns="" xmlns:a14="http://schemas.microsoft.com/office/drawing/2010/main" w="9525">
+              <a14:hiddenLine xmlns:a14="http://schemas.microsoft.com/office/drawing/2010/main" xmlns="" w="9525">
                 <a:solidFill>
                   <a:srgbClr val="000000"/>
                 </a:solidFill>
@@ -6729,7 +6729,23 @@
                   <a:ea typeface="Arial" charset="0"/>
                   <a:cs typeface="Arial" charset="0"/>
                 </a:rPr>
-                <a:t>Bad news at the door step,</a:t>
+                <a:t>Bad news at </a:t>
+              </a:r>
+              <a:r>
+                <a:rPr lang="en-US" altLang="en-US" sz="1300">
+                  <a:latin typeface="Arial" charset="0"/>
+                  <a:ea typeface="Arial" charset="0"/>
+                  <a:cs typeface="Arial" charset="0"/>
+                </a:rPr>
+                <a:t>the doorstep</a:t>
+              </a:r>
+              <a:r>
+                <a:rPr lang="en-US" altLang="en-US" sz="1300" dirty="0">
+                  <a:latin typeface="Arial" charset="0"/>
+                  <a:ea typeface="Arial" charset="0"/>
+                  <a:cs typeface="Arial" charset="0"/>
+                </a:rPr>
+                <a:t>,</a:t>
               </a:r>
             </a:p>
             <a:p>
@@ -7332,7 +7348,7 @@
           </a:ln>
           <a:extLst>
             <a:ext uri="{91240B29-F687-4f45-9708-019B960494DF}">
-              <a14:hiddenLine xmlns="" xmlns:a14="http://schemas.microsoft.com/office/drawing/2010/main" w="9525">
+              <a14:hiddenLine xmlns:a14="http://schemas.microsoft.com/office/drawing/2010/main" xmlns="" w="9525">
                 <a:solidFill>
                   <a:srgbClr val="000000"/>
                 </a:solidFill>
@@ -7377,7 +7393,7 @@
           </a:ln>
           <a:extLst>
             <a:ext uri="{91240B29-F687-4f45-9708-019B960494DF}">
-              <a14:hiddenLine xmlns="" xmlns:a14="http://schemas.microsoft.com/office/drawing/2010/main" w="9525">
+              <a14:hiddenLine xmlns:a14="http://schemas.microsoft.com/office/drawing/2010/main" xmlns="" w="9525">
                 <a:solidFill>
                   <a:srgbClr val="000000"/>
                 </a:solidFill>
@@ -7422,7 +7438,7 @@
           </a:ln>
           <a:extLst>
             <a:ext uri="{91240B29-F687-4f45-9708-019B960494DF}">
-              <a14:hiddenLine xmlns="" xmlns:a14="http://schemas.microsoft.com/office/drawing/2010/main" w="9525">
+              <a14:hiddenLine xmlns:a14="http://schemas.microsoft.com/office/drawing/2010/main" xmlns="" w="9525">
                 <a:solidFill>
                   <a:srgbClr val="000000"/>
                 </a:solidFill>
@@ -7467,7 +7483,7 @@
           </a:ln>
           <a:extLst>
             <a:ext uri="{91240B29-F687-4f45-9708-019B960494DF}">
-              <a14:hiddenLine xmlns="" xmlns:a14="http://schemas.microsoft.com/office/drawing/2010/main" w="9525">
+              <a14:hiddenLine xmlns:a14="http://schemas.microsoft.com/office/drawing/2010/main" xmlns="" w="9525">
                 <a:solidFill>
                   <a:srgbClr val="000000"/>
                 </a:solidFill>
@@ -7537,14 +7553,14 @@
           </a:ln>
           <a:extLst>
             <a:ext uri="{909E8E84-426E-40dd-AFC4-6F175D3DCCD1}">
-              <a14:hiddenFill xmlns="" xmlns:a14="http://schemas.microsoft.com/office/drawing/2010/main">
+              <a14:hiddenFill xmlns:a14="http://schemas.microsoft.com/office/drawing/2010/main" xmlns="">
                 <a:solidFill>
                   <a:srgbClr val="FFFFFF"/>
                 </a:solidFill>
               </a14:hiddenFill>
             </a:ext>
             <a:ext uri="{91240B29-F687-4f45-9708-019B960494DF}">
-              <a14:hiddenLine xmlns="" xmlns:a14="http://schemas.microsoft.com/office/drawing/2010/main" w="25400">
+              <a14:hiddenLine xmlns:a14="http://schemas.microsoft.com/office/drawing/2010/main" xmlns="" w="25400">
                 <a:solidFill>
                   <a:srgbClr val="000000"/>
                 </a:solidFill>
@@ -8922,7 +8938,7 @@
             </a:ln>
             <a:extLst>
               <a:ext uri="{909E8E84-426E-40dd-AFC4-6F175D3DCCD1}">
-                <a14:hiddenFill xmlns="" xmlns:a14="http://schemas.microsoft.com/office/drawing/2010/main">
+                <a14:hiddenFill xmlns:a14="http://schemas.microsoft.com/office/drawing/2010/main" xmlns="">
                   <a:solidFill>
                     <a:srgbClr val="FFFFFF"/>
                   </a:solidFill>
@@ -8962,14 +8978,14 @@
             </a:ln>
             <a:extLst>
               <a:ext uri="{909E8E84-426E-40dd-AFC4-6F175D3DCCD1}">
-                <a14:hiddenFill xmlns="" xmlns:a14="http://schemas.microsoft.com/office/drawing/2010/main">
+                <a14:hiddenFill xmlns:a14="http://schemas.microsoft.com/office/drawing/2010/main" xmlns="">
                   <a:solidFill>
                     <a:srgbClr val="FFFFFF"/>
                   </a:solidFill>
                 </a14:hiddenFill>
               </a:ext>
               <a:ext uri="{91240B29-F687-4f45-9708-019B960494DF}">
-                <a14:hiddenLine xmlns="" xmlns:a14="http://schemas.microsoft.com/office/drawing/2010/main" w="9525">
+                <a14:hiddenLine xmlns:a14="http://schemas.microsoft.com/office/drawing/2010/main" xmlns="" w="9525">
                   <a:solidFill>
                     <a:srgbClr val="000000"/>
                   </a:solidFill>
@@ -9146,7 +9162,7 @@
             </a:ln>
             <a:extLst>
               <a:ext uri="{909E8E84-426E-40dd-AFC4-6F175D3DCCD1}">
-                <a14:hiddenFill xmlns="" xmlns:a14="http://schemas.microsoft.com/office/drawing/2010/main">
+                <a14:hiddenFill xmlns:a14="http://schemas.microsoft.com/office/drawing/2010/main" xmlns="">
                   <a:solidFill>
                     <a:srgbClr val="FFFFFF"/>
                   </a:solidFill>
@@ -9186,14 +9202,14 @@
             </a:ln>
             <a:extLst>
               <a:ext uri="{909E8E84-426E-40dd-AFC4-6F175D3DCCD1}">
-                <a14:hiddenFill xmlns="" xmlns:a14="http://schemas.microsoft.com/office/drawing/2010/main">
+                <a14:hiddenFill xmlns:a14="http://schemas.microsoft.com/office/drawing/2010/main" xmlns="">
                   <a:solidFill>
                     <a:srgbClr val="FFFFFF"/>
                   </a:solidFill>
                 </a14:hiddenFill>
               </a:ext>
               <a:ext uri="{91240B29-F687-4f45-9708-019B960494DF}">
-                <a14:hiddenLine xmlns="" xmlns:a14="http://schemas.microsoft.com/office/drawing/2010/main" w="9525">
+                <a14:hiddenLine xmlns:a14="http://schemas.microsoft.com/office/drawing/2010/main" xmlns="" w="9525">
                   <a:solidFill>
                     <a:srgbClr val="000000"/>
                   </a:solidFill>
@@ -9370,7 +9386,7 @@
             </a:ln>
             <a:extLst>
               <a:ext uri="{909E8E84-426E-40dd-AFC4-6F175D3DCCD1}">
-                <a14:hiddenFill xmlns="" xmlns:a14="http://schemas.microsoft.com/office/drawing/2010/main">
+                <a14:hiddenFill xmlns:a14="http://schemas.microsoft.com/office/drawing/2010/main" xmlns="">
                   <a:solidFill>
                     <a:srgbClr val="FFFFFF"/>
                   </a:solidFill>
@@ -9410,14 +9426,14 @@
             </a:ln>
             <a:extLst>
               <a:ext uri="{909E8E84-426E-40dd-AFC4-6F175D3DCCD1}">
-                <a14:hiddenFill xmlns="" xmlns:a14="http://schemas.microsoft.com/office/drawing/2010/main">
+                <a14:hiddenFill xmlns:a14="http://schemas.microsoft.com/office/drawing/2010/main" xmlns="">
                   <a:solidFill>
                     <a:srgbClr val="FFFFFF"/>
                   </a:solidFill>
                 </a14:hiddenFill>
               </a:ext>
               <a:ext uri="{91240B29-F687-4f45-9708-019B960494DF}">
-                <a14:hiddenLine xmlns="" xmlns:a14="http://schemas.microsoft.com/office/drawing/2010/main" w="9525">
+                <a14:hiddenLine xmlns:a14="http://schemas.microsoft.com/office/drawing/2010/main" xmlns="" w="9525">
                   <a:solidFill>
                     <a:srgbClr val="000000"/>
                   </a:solidFill>
@@ -9594,7 +9610,7 @@
             </a:ln>
             <a:extLst>
               <a:ext uri="{909E8E84-426E-40dd-AFC4-6F175D3DCCD1}">
-                <a14:hiddenFill xmlns="" xmlns:a14="http://schemas.microsoft.com/office/drawing/2010/main">
+                <a14:hiddenFill xmlns:a14="http://schemas.microsoft.com/office/drawing/2010/main" xmlns="">
                   <a:solidFill>
                     <a:srgbClr val="FFFFFF"/>
                   </a:solidFill>
@@ -9634,14 +9650,14 @@
             </a:ln>
             <a:extLst>
               <a:ext uri="{909E8E84-426E-40dd-AFC4-6F175D3DCCD1}">
-                <a14:hiddenFill xmlns="" xmlns:a14="http://schemas.microsoft.com/office/drawing/2010/main">
+                <a14:hiddenFill xmlns:a14="http://schemas.microsoft.com/office/drawing/2010/main" xmlns="">
                   <a:solidFill>
                     <a:srgbClr val="FFFFFF"/>
                   </a:solidFill>
                 </a14:hiddenFill>
               </a:ext>
               <a:ext uri="{91240B29-F687-4f45-9708-019B960494DF}">
-                <a14:hiddenLine xmlns="" xmlns:a14="http://schemas.microsoft.com/office/drawing/2010/main" w="9525">
+                <a14:hiddenLine xmlns:a14="http://schemas.microsoft.com/office/drawing/2010/main" xmlns="" w="9525">
                   <a:solidFill>
                     <a:srgbClr val="000000"/>
                   </a:solidFill>
@@ -9818,7 +9834,7 @@
             </a:ln>
             <a:extLst>
               <a:ext uri="{909E8E84-426E-40dd-AFC4-6F175D3DCCD1}">
-                <a14:hiddenFill xmlns="" xmlns:a14="http://schemas.microsoft.com/office/drawing/2010/main">
+                <a14:hiddenFill xmlns:a14="http://schemas.microsoft.com/office/drawing/2010/main" xmlns="">
                   <a:solidFill>
                     <a:srgbClr val="FFFFFF"/>
                   </a:solidFill>
@@ -9858,14 +9874,14 @@
             </a:ln>
             <a:extLst>
               <a:ext uri="{909E8E84-426E-40dd-AFC4-6F175D3DCCD1}">
-                <a14:hiddenFill xmlns="" xmlns:a14="http://schemas.microsoft.com/office/drawing/2010/main">
+                <a14:hiddenFill xmlns:a14="http://schemas.microsoft.com/office/drawing/2010/main" xmlns="">
                   <a:solidFill>
                     <a:srgbClr val="FFFFFF"/>
                   </a:solidFill>
                 </a14:hiddenFill>
               </a:ext>
               <a:ext uri="{91240B29-F687-4f45-9708-019B960494DF}">
-                <a14:hiddenLine xmlns="" xmlns:a14="http://schemas.microsoft.com/office/drawing/2010/main" w="9525">
+                <a14:hiddenLine xmlns:a14="http://schemas.microsoft.com/office/drawing/2010/main" xmlns="" w="9525">
                   <a:solidFill>
                     <a:srgbClr val="000000"/>
                   </a:solidFill>
@@ -11275,7 +11291,7 @@
             </a:ln>
             <a:extLst>
               <a:ext uri="{909E8E84-426E-40dd-AFC4-6F175D3DCCD1}">
-                <a14:hiddenFill xmlns="" xmlns:a14="http://schemas.microsoft.com/office/drawing/2010/main">
+                <a14:hiddenFill xmlns:a14="http://schemas.microsoft.com/office/drawing/2010/main" xmlns="">
                   <a:solidFill>
                     <a:srgbClr val="FFFFFF"/>
                   </a:solidFill>
@@ -11315,14 +11331,14 @@
             </a:ln>
             <a:extLst>
               <a:ext uri="{909E8E84-426E-40dd-AFC4-6F175D3DCCD1}">
-                <a14:hiddenFill xmlns="" xmlns:a14="http://schemas.microsoft.com/office/drawing/2010/main">
+                <a14:hiddenFill xmlns:a14="http://schemas.microsoft.com/office/drawing/2010/main" xmlns="">
                   <a:solidFill>
                     <a:srgbClr val="FFFFFF"/>
                   </a:solidFill>
                 </a14:hiddenFill>
               </a:ext>
               <a:ext uri="{91240B29-F687-4f45-9708-019B960494DF}">
-                <a14:hiddenLine xmlns="" xmlns:a14="http://schemas.microsoft.com/office/drawing/2010/main" w="9525">
+                <a14:hiddenLine xmlns:a14="http://schemas.microsoft.com/office/drawing/2010/main" xmlns="" w="9525">
                   <a:solidFill>
                     <a:srgbClr val="000000"/>
                   </a:solidFill>
@@ -11499,7 +11515,7 @@
             </a:ln>
             <a:extLst>
               <a:ext uri="{909E8E84-426E-40dd-AFC4-6F175D3DCCD1}">
-                <a14:hiddenFill xmlns="" xmlns:a14="http://schemas.microsoft.com/office/drawing/2010/main">
+                <a14:hiddenFill xmlns:a14="http://schemas.microsoft.com/office/drawing/2010/main" xmlns="">
                   <a:solidFill>
                     <a:srgbClr val="FFFFFF"/>
                   </a:solidFill>
@@ -11539,14 +11555,14 @@
             </a:ln>
             <a:extLst>
               <a:ext uri="{909E8E84-426E-40dd-AFC4-6F175D3DCCD1}">
-                <a14:hiddenFill xmlns="" xmlns:a14="http://schemas.microsoft.com/office/drawing/2010/main">
+                <a14:hiddenFill xmlns:a14="http://schemas.microsoft.com/office/drawing/2010/main" xmlns="">
                   <a:solidFill>
                     <a:srgbClr val="FFFFFF"/>
                   </a:solidFill>
                 </a14:hiddenFill>
               </a:ext>
               <a:ext uri="{91240B29-F687-4f45-9708-019B960494DF}">
-                <a14:hiddenLine xmlns="" xmlns:a14="http://schemas.microsoft.com/office/drawing/2010/main" w="9525">
+                <a14:hiddenLine xmlns:a14="http://schemas.microsoft.com/office/drawing/2010/main" xmlns="" w="9525">
                   <a:solidFill>
                     <a:srgbClr val="000000"/>
                   </a:solidFill>
@@ -11723,7 +11739,7 @@
             </a:ln>
             <a:extLst>
               <a:ext uri="{909E8E84-426E-40dd-AFC4-6F175D3DCCD1}">
-                <a14:hiddenFill xmlns="" xmlns:a14="http://schemas.microsoft.com/office/drawing/2010/main">
+                <a14:hiddenFill xmlns:a14="http://schemas.microsoft.com/office/drawing/2010/main" xmlns="">
                   <a:solidFill>
                     <a:srgbClr val="FFFFFF"/>
                   </a:solidFill>
@@ -11763,14 +11779,14 @@
             </a:ln>
             <a:extLst>
               <a:ext uri="{909E8E84-426E-40dd-AFC4-6F175D3DCCD1}">
-                <a14:hiddenFill xmlns="" xmlns:a14="http://schemas.microsoft.com/office/drawing/2010/main">
+                <a14:hiddenFill xmlns:a14="http://schemas.microsoft.com/office/drawing/2010/main" xmlns="">
                   <a:solidFill>
                     <a:srgbClr val="FFFFFF"/>
                   </a:solidFill>
                 </a14:hiddenFill>
               </a:ext>
               <a:ext uri="{91240B29-F687-4f45-9708-019B960494DF}">
-                <a14:hiddenLine xmlns="" xmlns:a14="http://schemas.microsoft.com/office/drawing/2010/main" w="9525">
+                <a14:hiddenLine xmlns:a14="http://schemas.microsoft.com/office/drawing/2010/main" xmlns="" w="9525">
                   <a:solidFill>
                     <a:srgbClr val="000000"/>
                   </a:solidFill>
@@ -11947,7 +11963,7 @@
             </a:ln>
             <a:extLst>
               <a:ext uri="{909E8E84-426E-40dd-AFC4-6F175D3DCCD1}">
-                <a14:hiddenFill xmlns="" xmlns:a14="http://schemas.microsoft.com/office/drawing/2010/main">
+                <a14:hiddenFill xmlns:a14="http://schemas.microsoft.com/office/drawing/2010/main" xmlns="">
                   <a:solidFill>
                     <a:srgbClr val="FFFFFF"/>
                   </a:solidFill>
@@ -11987,14 +12003,14 @@
             </a:ln>
             <a:extLst>
               <a:ext uri="{909E8E84-426E-40dd-AFC4-6F175D3DCCD1}">
-                <a14:hiddenFill xmlns="" xmlns:a14="http://schemas.microsoft.com/office/drawing/2010/main">
+                <a14:hiddenFill xmlns:a14="http://schemas.microsoft.com/office/drawing/2010/main" xmlns="">
                   <a:solidFill>
                     <a:srgbClr val="FFFFFF"/>
                   </a:solidFill>
                 </a14:hiddenFill>
               </a:ext>
               <a:ext uri="{91240B29-F687-4f45-9708-019B960494DF}">
-                <a14:hiddenLine xmlns="" xmlns:a14="http://schemas.microsoft.com/office/drawing/2010/main" w="9525">
+                <a14:hiddenLine xmlns:a14="http://schemas.microsoft.com/office/drawing/2010/main" xmlns="" w="9525">
                   <a:solidFill>
                     <a:srgbClr val="000000"/>
                   </a:solidFill>
@@ -12211,14 +12227,14 @@
             </a:ln>
             <a:extLst>
               <a:ext uri="{909E8E84-426E-40dd-AFC4-6F175D3DCCD1}">
-                <a14:hiddenFill xmlns="" xmlns:a14="http://schemas.microsoft.com/office/drawing/2010/main">
+                <a14:hiddenFill xmlns:a14="http://schemas.microsoft.com/office/drawing/2010/main" xmlns="">
                   <a:solidFill>
                     <a:srgbClr val="FFFFFF"/>
                   </a:solidFill>
                 </a14:hiddenFill>
               </a:ext>
               <a:ext uri="{91240B29-F687-4f45-9708-019B960494DF}">
-                <a14:hiddenLine xmlns="" xmlns:a14="http://schemas.microsoft.com/office/drawing/2010/main" w="9525">
+                <a14:hiddenLine xmlns:a14="http://schemas.microsoft.com/office/drawing/2010/main" xmlns="" w="9525">
                   <a:solidFill>
                     <a:srgbClr val="000000"/>
                   </a:solidFill>
@@ -12445,14 +12461,14 @@
             </a:ln>
             <a:extLst>
               <a:ext uri="{909E8E84-426E-40dd-AFC4-6F175D3DCCD1}">
-                <a14:hiddenFill xmlns="" xmlns:a14="http://schemas.microsoft.com/office/drawing/2010/main">
+                <a14:hiddenFill xmlns:a14="http://schemas.microsoft.com/office/drawing/2010/main" xmlns="">
                   <a:solidFill>
                     <a:srgbClr val="FFFFFF"/>
                   </a:solidFill>
                 </a14:hiddenFill>
               </a:ext>
               <a:ext uri="{91240B29-F687-4f45-9708-019B960494DF}">
-                <a14:hiddenLine xmlns="" xmlns:a14="http://schemas.microsoft.com/office/drawing/2010/main" w="9525">
+                <a14:hiddenLine xmlns:a14="http://schemas.microsoft.com/office/drawing/2010/main" xmlns="" w="9525">
                   <a:solidFill>
                     <a:srgbClr val="000000"/>
                   </a:solidFill>
@@ -12672,14 +12688,14 @@
             </a:ln>
             <a:extLst>
               <a:ext uri="{909E8E84-426E-40dd-AFC4-6F175D3DCCD1}">
-                <a14:hiddenFill xmlns="" xmlns:a14="http://schemas.microsoft.com/office/drawing/2010/main">
+                <a14:hiddenFill xmlns:a14="http://schemas.microsoft.com/office/drawing/2010/main" xmlns="">
                   <a:solidFill>
                     <a:srgbClr val="FFFFFF"/>
                   </a:solidFill>
                 </a14:hiddenFill>
               </a:ext>
               <a:ext uri="{91240B29-F687-4f45-9708-019B960494DF}">
-                <a14:hiddenLine xmlns="" xmlns:a14="http://schemas.microsoft.com/office/drawing/2010/main" w="9525">
+                <a14:hiddenLine xmlns:a14="http://schemas.microsoft.com/office/drawing/2010/main" xmlns="" w="9525">
                   <a:solidFill>
                     <a:srgbClr val="000000"/>
                   </a:solidFill>
@@ -12905,14 +12921,14 @@
             </a:ln>
             <a:extLst>
               <a:ext uri="{909E8E84-426E-40dd-AFC4-6F175D3DCCD1}">
-                <a14:hiddenFill xmlns="" xmlns:a14="http://schemas.microsoft.com/office/drawing/2010/main">
+                <a14:hiddenFill xmlns:a14="http://schemas.microsoft.com/office/drawing/2010/main" xmlns="">
                   <a:solidFill>
                     <a:srgbClr val="FFFFFF"/>
                   </a:solidFill>
                 </a14:hiddenFill>
               </a:ext>
               <a:ext uri="{91240B29-F687-4f45-9708-019B960494DF}">
-                <a14:hiddenLine xmlns="" xmlns:a14="http://schemas.microsoft.com/office/drawing/2010/main" w="9525">
+                <a14:hiddenLine xmlns:a14="http://schemas.microsoft.com/office/drawing/2010/main" xmlns="" w="9525">
                   <a:solidFill>
                     <a:srgbClr val="000000"/>
                   </a:solidFill>
@@ -13417,14 +13433,14 @@
           </a:ln>
           <a:extLst>
             <a:ext uri="{909E8E84-426E-40dd-AFC4-6F175D3DCCD1}">
-              <a14:hiddenFill xmlns="" xmlns:a14="http://schemas.microsoft.com/office/drawing/2010/main">
+              <a14:hiddenFill xmlns:a14="http://schemas.microsoft.com/office/drawing/2010/main" xmlns="">
                 <a:solidFill>
                   <a:srgbClr val="FFFFFF"/>
                 </a:solidFill>
               </a14:hiddenFill>
             </a:ext>
             <a:ext uri="{91240B29-F687-4f45-9708-019B960494DF}">
-              <a14:hiddenLine xmlns="" xmlns:a14="http://schemas.microsoft.com/office/drawing/2010/main" w="25400">
+              <a14:hiddenLine xmlns:a14="http://schemas.microsoft.com/office/drawing/2010/main" xmlns="" w="25400">
                 <a:solidFill>
                   <a:srgbClr val="000000"/>
                 </a:solidFill>
@@ -13560,14 +13576,14 @@
           </a:ln>
           <a:extLst>
             <a:ext uri="{909E8E84-426E-40dd-AFC4-6F175D3DCCD1}">
-              <a14:hiddenFill xmlns="" xmlns:a14="http://schemas.microsoft.com/office/drawing/2010/main">
+              <a14:hiddenFill xmlns:a14="http://schemas.microsoft.com/office/drawing/2010/main" xmlns="">
                 <a:solidFill>
                   <a:srgbClr val="FFFFFF"/>
                 </a:solidFill>
               </a14:hiddenFill>
             </a:ext>
             <a:ext uri="{91240B29-F687-4f45-9708-019B960494DF}">
-              <a14:hiddenLine xmlns="" xmlns:a14="http://schemas.microsoft.com/office/drawing/2010/main" w="25400">
+              <a14:hiddenLine xmlns:a14="http://schemas.microsoft.com/office/drawing/2010/main" xmlns="" w="25400">
                 <a:solidFill>
                   <a:srgbClr val="000000"/>
                 </a:solidFill>
@@ -14891,14 +14907,14 @@
           </a:ln>
           <a:extLst>
             <a:ext uri="{909E8E84-426E-40dd-AFC4-6F175D3DCCD1}">
-              <a14:hiddenFill xmlns="" xmlns:a14="http://schemas.microsoft.com/office/drawing/2010/main">
+              <a14:hiddenFill xmlns:a14="http://schemas.microsoft.com/office/drawing/2010/main" xmlns="">
                 <a:solidFill>
                   <a:srgbClr val="FFFFFF"/>
                 </a:solidFill>
               </a14:hiddenFill>
             </a:ext>
             <a:ext uri="{91240B29-F687-4f45-9708-019B960494DF}">
-              <a14:hiddenLine xmlns="" xmlns:a14="http://schemas.microsoft.com/office/drawing/2010/main" w="9525">
+              <a14:hiddenLine xmlns:a14="http://schemas.microsoft.com/office/drawing/2010/main" xmlns="" w="9525">
                 <a:solidFill>
                   <a:srgbClr val="000000"/>
                 </a:solidFill>
@@ -15073,14 +15089,14 @@
             </a:ln>
             <a:extLst>
               <a:ext uri="{909E8E84-426E-40dd-AFC4-6F175D3DCCD1}">
-                <a14:hiddenFill xmlns="" xmlns:a14="http://schemas.microsoft.com/office/drawing/2010/main">
+                <a14:hiddenFill xmlns:a14="http://schemas.microsoft.com/office/drawing/2010/main" xmlns="">
                   <a:solidFill>
                     <a:srgbClr val="FFFFFF"/>
                   </a:solidFill>
                 </a14:hiddenFill>
               </a:ext>
               <a:ext uri="{91240B29-F687-4f45-9708-019B960494DF}">
-                <a14:hiddenLine xmlns="" xmlns:a14="http://schemas.microsoft.com/office/drawing/2010/main" w="9525">
+                <a14:hiddenLine xmlns:a14="http://schemas.microsoft.com/office/drawing/2010/main" xmlns="" w="9525">
                   <a:solidFill>
                     <a:srgbClr val="000000"/>
                   </a:solidFill>
@@ -15280,14 +15296,14 @@
             </a:ln>
             <a:extLst>
               <a:ext uri="{909E8E84-426E-40dd-AFC4-6F175D3DCCD1}">
-                <a14:hiddenFill xmlns="" xmlns:a14="http://schemas.microsoft.com/office/drawing/2010/main">
+                <a14:hiddenFill xmlns:a14="http://schemas.microsoft.com/office/drawing/2010/main" xmlns="">
                   <a:solidFill>
                     <a:srgbClr val="FFFFFF"/>
                   </a:solidFill>
                 </a14:hiddenFill>
               </a:ext>
               <a:ext uri="{91240B29-F687-4f45-9708-019B960494DF}">
-                <a14:hiddenLine xmlns="" xmlns:a14="http://schemas.microsoft.com/office/drawing/2010/main" w="9525">
+                <a14:hiddenLine xmlns:a14="http://schemas.microsoft.com/office/drawing/2010/main" xmlns="" w="9525">
                   <a:solidFill>
                     <a:srgbClr val="000000"/>
                   </a:solidFill>
@@ -15460,14 +15476,14 @@
             </a:ln>
             <a:extLst>
               <a:ext uri="{909E8E84-426E-40dd-AFC4-6F175D3DCCD1}">
-                <a14:hiddenFill xmlns="" xmlns:a14="http://schemas.microsoft.com/office/drawing/2010/main">
+                <a14:hiddenFill xmlns:a14="http://schemas.microsoft.com/office/drawing/2010/main" xmlns="">
                   <a:solidFill>
                     <a:srgbClr val="FFFFFF"/>
                   </a:solidFill>
                 </a14:hiddenFill>
               </a:ext>
               <a:ext uri="{91240B29-F687-4f45-9708-019B960494DF}">
-                <a14:hiddenLine xmlns="" xmlns:a14="http://schemas.microsoft.com/office/drawing/2010/main" w="9525">
+                <a14:hiddenLine xmlns:a14="http://schemas.microsoft.com/office/drawing/2010/main" xmlns="" w="9525">
                   <a:solidFill>
                     <a:srgbClr val="000000"/>
                   </a:solidFill>
@@ -15679,14 +15695,14 @@
             </a:ln>
             <a:extLst>
               <a:ext uri="{909E8E84-426E-40dd-AFC4-6F175D3DCCD1}">
-                <a14:hiddenFill xmlns="" xmlns:a14="http://schemas.microsoft.com/office/drawing/2010/main">
+                <a14:hiddenFill xmlns:a14="http://schemas.microsoft.com/office/drawing/2010/main" xmlns="">
                   <a:solidFill>
                     <a:srgbClr val="FFFFFF"/>
                   </a:solidFill>
                 </a14:hiddenFill>
               </a:ext>
               <a:ext uri="{91240B29-F687-4f45-9708-019B960494DF}">
-                <a14:hiddenLine xmlns="" xmlns:a14="http://schemas.microsoft.com/office/drawing/2010/main" w="9525">
+                <a14:hiddenLine xmlns:a14="http://schemas.microsoft.com/office/drawing/2010/main" xmlns="" w="9525">
                   <a:solidFill>
                     <a:srgbClr val="000000"/>
                   </a:solidFill>
@@ -15871,14 +15887,14 @@
             </a:ln>
             <a:extLst>
               <a:ext uri="{909E8E84-426E-40dd-AFC4-6F175D3DCCD1}">
-                <a14:hiddenFill xmlns="" xmlns:a14="http://schemas.microsoft.com/office/drawing/2010/main">
+                <a14:hiddenFill xmlns:a14="http://schemas.microsoft.com/office/drawing/2010/main" xmlns="">
                   <a:solidFill>
                     <a:srgbClr val="FFFFFF"/>
                   </a:solidFill>
                 </a14:hiddenFill>
               </a:ext>
               <a:ext uri="{91240B29-F687-4f45-9708-019B960494DF}">
-                <a14:hiddenLine xmlns="" xmlns:a14="http://schemas.microsoft.com/office/drawing/2010/main" w="9525">
+                <a14:hiddenLine xmlns:a14="http://schemas.microsoft.com/office/drawing/2010/main" xmlns="" w="9525">
                   <a:solidFill>
                     <a:srgbClr val="000000"/>
                   </a:solidFill>
@@ -16084,14 +16100,14 @@
             </a:ln>
             <a:extLst>
               <a:ext uri="{909E8E84-426E-40dd-AFC4-6F175D3DCCD1}">
-                <a14:hiddenFill xmlns="" xmlns:a14="http://schemas.microsoft.com/office/drawing/2010/main">
+                <a14:hiddenFill xmlns:a14="http://schemas.microsoft.com/office/drawing/2010/main" xmlns="">
                   <a:solidFill>
                     <a:srgbClr val="FFFFFF"/>
                   </a:solidFill>
                 </a14:hiddenFill>
               </a:ext>
               <a:ext uri="{91240B29-F687-4f45-9708-019B960494DF}">
-                <a14:hiddenLine xmlns="" xmlns:a14="http://schemas.microsoft.com/office/drawing/2010/main" w="9525">
+                <a14:hiddenLine xmlns:a14="http://schemas.microsoft.com/office/drawing/2010/main" xmlns="" w="9525">
                   <a:solidFill>
                     <a:srgbClr val="000000"/>
                   </a:solidFill>
@@ -16264,14 +16280,14 @@
             </a:ln>
             <a:extLst>
               <a:ext uri="{909E8E84-426E-40dd-AFC4-6F175D3DCCD1}">
-                <a14:hiddenFill xmlns="" xmlns:a14="http://schemas.microsoft.com/office/drawing/2010/main">
+                <a14:hiddenFill xmlns:a14="http://schemas.microsoft.com/office/drawing/2010/main" xmlns="">
                   <a:solidFill>
                     <a:srgbClr val="FFFFFF"/>
                   </a:solidFill>
                 </a14:hiddenFill>
               </a:ext>
               <a:ext uri="{91240B29-F687-4f45-9708-019B960494DF}">
-                <a14:hiddenLine xmlns="" xmlns:a14="http://schemas.microsoft.com/office/drawing/2010/main" w="9525">
+                <a14:hiddenLine xmlns:a14="http://schemas.microsoft.com/office/drawing/2010/main" xmlns="" w="9525">
                   <a:solidFill>
                     <a:srgbClr val="000000"/>
                   </a:solidFill>
@@ -16477,14 +16493,14 @@
             </a:ln>
             <a:extLst>
               <a:ext uri="{909E8E84-426E-40dd-AFC4-6F175D3DCCD1}">
-                <a14:hiddenFill xmlns="" xmlns:a14="http://schemas.microsoft.com/office/drawing/2010/main">
+                <a14:hiddenFill xmlns:a14="http://schemas.microsoft.com/office/drawing/2010/main" xmlns="">
                   <a:solidFill>
                     <a:srgbClr val="FFFFFF"/>
                   </a:solidFill>
                 </a14:hiddenFill>
               </a:ext>
               <a:ext uri="{91240B29-F687-4f45-9708-019B960494DF}">
-                <a14:hiddenLine xmlns="" xmlns:a14="http://schemas.microsoft.com/office/drawing/2010/main" w="9525">
+                <a14:hiddenLine xmlns:a14="http://schemas.microsoft.com/office/drawing/2010/main" xmlns="" w="9525">
                   <a:solidFill>
                     <a:srgbClr val="000000"/>
                   </a:solidFill>
@@ -16657,14 +16673,14 @@
             </a:ln>
             <a:extLst>
               <a:ext uri="{909E8E84-426E-40dd-AFC4-6F175D3DCCD1}">
-                <a14:hiddenFill xmlns="" xmlns:a14="http://schemas.microsoft.com/office/drawing/2010/main">
+                <a14:hiddenFill xmlns:a14="http://schemas.microsoft.com/office/drawing/2010/main" xmlns="">
                   <a:solidFill>
                     <a:srgbClr val="FFFFFF"/>
                   </a:solidFill>
                 </a14:hiddenFill>
               </a:ext>
               <a:ext uri="{91240B29-F687-4f45-9708-019B960494DF}">
-                <a14:hiddenLine xmlns="" xmlns:a14="http://schemas.microsoft.com/office/drawing/2010/main" w="9525">
+                <a14:hiddenLine xmlns:a14="http://schemas.microsoft.com/office/drawing/2010/main" xmlns="" w="9525">
                   <a:solidFill>
                     <a:srgbClr val="000000"/>
                   </a:solidFill>
@@ -16870,14 +16886,14 @@
             </a:ln>
             <a:extLst>
               <a:ext uri="{909E8E84-426E-40dd-AFC4-6F175D3DCCD1}">
-                <a14:hiddenFill xmlns="" xmlns:a14="http://schemas.microsoft.com/office/drawing/2010/main">
+                <a14:hiddenFill xmlns:a14="http://schemas.microsoft.com/office/drawing/2010/main" xmlns="">
                   <a:solidFill>
                     <a:srgbClr val="FFFFFF"/>
                   </a:solidFill>
                 </a14:hiddenFill>
               </a:ext>
               <a:ext uri="{91240B29-F687-4f45-9708-019B960494DF}">
-                <a14:hiddenLine xmlns="" xmlns:a14="http://schemas.microsoft.com/office/drawing/2010/main" w="9525">
+                <a14:hiddenLine xmlns:a14="http://schemas.microsoft.com/office/drawing/2010/main" xmlns="" w="9525">
                   <a:solidFill>
                     <a:srgbClr val="000000"/>
                   </a:solidFill>
@@ -17091,14 +17107,14 @@
             </a:ln>
             <a:extLst>
               <a:ext uri="{909E8E84-426E-40dd-AFC4-6F175D3DCCD1}">
-                <a14:hiddenFill xmlns="" xmlns:a14="http://schemas.microsoft.com/office/drawing/2010/main">
+                <a14:hiddenFill xmlns:a14="http://schemas.microsoft.com/office/drawing/2010/main" xmlns="">
                   <a:solidFill>
                     <a:srgbClr val="FFFFFF"/>
                   </a:solidFill>
                 </a14:hiddenFill>
               </a:ext>
               <a:ext uri="{91240B29-F687-4f45-9708-019B960494DF}">
-                <a14:hiddenLine xmlns="" xmlns:a14="http://schemas.microsoft.com/office/drawing/2010/main" w="9525">
+                <a14:hiddenLine xmlns:a14="http://schemas.microsoft.com/office/drawing/2010/main" xmlns="" w="9525">
                   <a:solidFill>
                     <a:srgbClr val="000000"/>
                   </a:solidFill>
@@ -17257,14 +17273,14 @@
             </a:ln>
             <a:extLst>
               <a:ext uri="{909E8E84-426E-40dd-AFC4-6F175D3DCCD1}">
-                <a14:hiddenFill xmlns="" xmlns:a14="http://schemas.microsoft.com/office/drawing/2010/main">
+                <a14:hiddenFill xmlns:a14="http://schemas.microsoft.com/office/drawing/2010/main" xmlns="">
                   <a:solidFill>
                     <a:srgbClr val="FFFFFF"/>
                   </a:solidFill>
                 </a14:hiddenFill>
               </a:ext>
               <a:ext uri="{91240B29-F687-4f45-9708-019B960494DF}">
-                <a14:hiddenLine xmlns="" xmlns:a14="http://schemas.microsoft.com/office/drawing/2010/main" w="9525">
+                <a14:hiddenLine xmlns:a14="http://schemas.microsoft.com/office/drawing/2010/main" xmlns="" w="9525">
                   <a:solidFill>
                     <a:srgbClr val="000000"/>
                   </a:solidFill>
@@ -18412,14 +18428,14 @@
             </a:ln>
             <a:extLst>
               <a:ext uri="{909E8E84-426E-40dd-AFC4-6F175D3DCCD1}">
-                <a14:hiddenFill xmlns="" xmlns:a14="http://schemas.microsoft.com/office/drawing/2010/main">
+                <a14:hiddenFill xmlns:a14="http://schemas.microsoft.com/office/drawing/2010/main" xmlns="">
                   <a:solidFill>
                     <a:srgbClr val="FFFFFF"/>
                   </a:solidFill>
                 </a14:hiddenFill>
               </a:ext>
               <a:ext uri="{91240B29-F687-4f45-9708-019B960494DF}">
-                <a14:hiddenLine xmlns="" xmlns:a14="http://schemas.microsoft.com/office/drawing/2010/main" w="9525">
+                <a14:hiddenLine xmlns:a14="http://schemas.microsoft.com/office/drawing/2010/main" xmlns="" w="9525">
                   <a:solidFill>
                     <a:srgbClr val="000000"/>
                   </a:solidFill>
@@ -18598,7 +18614,7 @@
             </a:ln>
             <a:extLst>
               <a:ext uri="{909E8E84-426E-40dd-AFC4-6F175D3DCCD1}">
-                <a14:hiddenFill xmlns="" xmlns:a14="http://schemas.microsoft.com/office/drawing/2010/main">
+                <a14:hiddenFill xmlns:a14="http://schemas.microsoft.com/office/drawing/2010/main" xmlns="">
                   <a:noFill/>
                 </a14:hiddenFill>
               </a:ext>
@@ -18645,7 +18661,7 @@
             </a:ln>
             <a:extLst>
               <a:ext uri="{909E8E84-426E-40dd-AFC4-6F175D3DCCD1}">
-                <a14:hiddenFill xmlns="" xmlns:a14="http://schemas.microsoft.com/office/drawing/2010/main">
+                <a14:hiddenFill xmlns:a14="http://schemas.microsoft.com/office/drawing/2010/main" xmlns="">
                   <a:noFill/>
                 </a14:hiddenFill>
               </a:ext>
@@ -18688,14 +18704,14 @@
           </a:ln>
           <a:extLst>
             <a:ext uri="{909E8E84-426E-40dd-AFC4-6F175D3DCCD1}">
-              <a14:hiddenFill xmlns="" xmlns:a14="http://schemas.microsoft.com/office/drawing/2010/main">
+              <a14:hiddenFill xmlns:a14="http://schemas.microsoft.com/office/drawing/2010/main" xmlns="">
                 <a:solidFill>
                   <a:srgbClr val="FFFFFF"/>
                 </a:solidFill>
               </a14:hiddenFill>
             </a:ext>
             <a:ext uri="{91240B29-F687-4f45-9708-019B960494DF}">
-              <a14:hiddenLine xmlns="" xmlns:a14="http://schemas.microsoft.com/office/drawing/2010/main" w="9525">
+              <a14:hiddenLine xmlns:a14="http://schemas.microsoft.com/office/drawing/2010/main" xmlns="" w="9525">
                 <a:solidFill>
                   <a:srgbClr val="000000"/>
                 </a:solidFill>
@@ -24867,7 +24883,7 @@
           </a:ln>
           <a:extLst>
             <a:ext uri="{91240B29-F687-4f45-9708-019B960494DF}">
-              <a14:hiddenLine xmlns="" xmlns:a14="http://schemas.microsoft.com/office/drawing/2010/main" w="9525">
+              <a14:hiddenLine xmlns:a14="http://schemas.microsoft.com/office/drawing/2010/main" xmlns="" w="9525">
                 <a:solidFill>
                   <a:srgbClr val="000000"/>
                 </a:solidFill>
@@ -24912,7 +24928,7 @@
           </a:ln>
           <a:extLst>
             <a:ext uri="{91240B29-F687-4f45-9708-019B960494DF}">
-              <a14:hiddenLine xmlns="" xmlns:a14="http://schemas.microsoft.com/office/drawing/2010/main" w="9525">
+              <a14:hiddenLine xmlns:a14="http://schemas.microsoft.com/office/drawing/2010/main" xmlns="" w="9525">
                 <a:solidFill>
                   <a:srgbClr val="000000"/>
                 </a:solidFill>
@@ -24957,7 +24973,7 @@
           </a:ln>
           <a:extLst>
             <a:ext uri="{91240B29-F687-4f45-9708-019B960494DF}">
-              <a14:hiddenLine xmlns="" xmlns:a14="http://schemas.microsoft.com/office/drawing/2010/main" w="9525">
+              <a14:hiddenLine xmlns:a14="http://schemas.microsoft.com/office/drawing/2010/main" xmlns="" w="9525">
                 <a:solidFill>
                   <a:srgbClr val="000000"/>
                 </a:solidFill>
@@ -25002,7 +25018,7 @@
           </a:ln>
           <a:extLst>
             <a:ext uri="{91240B29-F687-4f45-9708-019B960494DF}">
-              <a14:hiddenLine xmlns="" xmlns:a14="http://schemas.microsoft.com/office/drawing/2010/main" w="9525">
+              <a14:hiddenLine xmlns:a14="http://schemas.microsoft.com/office/drawing/2010/main" xmlns="" w="9525">
                 <a:solidFill>
                   <a:srgbClr val="000000"/>
                 </a:solidFill>
@@ -25072,14 +25088,14 @@
           </a:ln>
           <a:extLst>
             <a:ext uri="{909E8E84-426E-40dd-AFC4-6F175D3DCCD1}">
-              <a14:hiddenFill xmlns="" xmlns:a14="http://schemas.microsoft.com/office/drawing/2010/main">
+              <a14:hiddenFill xmlns:a14="http://schemas.microsoft.com/office/drawing/2010/main" xmlns="">
                 <a:solidFill>
                   <a:srgbClr val="FFFFFF"/>
                 </a:solidFill>
               </a14:hiddenFill>
             </a:ext>
             <a:ext uri="{91240B29-F687-4f45-9708-019B960494DF}">
-              <a14:hiddenLine xmlns="" xmlns:a14="http://schemas.microsoft.com/office/drawing/2010/main" w="25400">
+              <a14:hiddenLine xmlns:a14="http://schemas.microsoft.com/office/drawing/2010/main" xmlns="" w="25400">
                 <a:solidFill>
                   <a:srgbClr val="000000"/>
                 </a:solidFill>
@@ -26457,7 +26473,7 @@
             </a:ln>
             <a:extLst>
               <a:ext uri="{909E8E84-426E-40dd-AFC4-6F175D3DCCD1}">
-                <a14:hiddenFill xmlns="" xmlns:a14="http://schemas.microsoft.com/office/drawing/2010/main">
+                <a14:hiddenFill xmlns:a14="http://schemas.microsoft.com/office/drawing/2010/main" xmlns="">
                   <a:solidFill>
                     <a:srgbClr val="FFFFFF"/>
                   </a:solidFill>
@@ -26497,14 +26513,14 @@
             </a:ln>
             <a:extLst>
               <a:ext uri="{909E8E84-426E-40dd-AFC4-6F175D3DCCD1}">
-                <a14:hiddenFill xmlns="" xmlns:a14="http://schemas.microsoft.com/office/drawing/2010/main">
+                <a14:hiddenFill xmlns:a14="http://schemas.microsoft.com/office/drawing/2010/main" xmlns="">
                   <a:solidFill>
                     <a:srgbClr val="FFFFFF"/>
                   </a:solidFill>
                 </a14:hiddenFill>
               </a:ext>
               <a:ext uri="{91240B29-F687-4f45-9708-019B960494DF}">
-                <a14:hiddenLine xmlns="" xmlns:a14="http://schemas.microsoft.com/office/drawing/2010/main" w="9525">
+                <a14:hiddenLine xmlns:a14="http://schemas.microsoft.com/office/drawing/2010/main" xmlns="" w="9525">
                   <a:solidFill>
                     <a:srgbClr val="000000"/>
                   </a:solidFill>
@@ -26681,7 +26697,7 @@
             </a:ln>
             <a:extLst>
               <a:ext uri="{909E8E84-426E-40dd-AFC4-6F175D3DCCD1}">
-                <a14:hiddenFill xmlns="" xmlns:a14="http://schemas.microsoft.com/office/drawing/2010/main">
+                <a14:hiddenFill xmlns:a14="http://schemas.microsoft.com/office/drawing/2010/main" xmlns="">
                   <a:solidFill>
                     <a:srgbClr val="FFFFFF"/>
                   </a:solidFill>
@@ -26721,14 +26737,14 @@
             </a:ln>
             <a:extLst>
               <a:ext uri="{909E8E84-426E-40dd-AFC4-6F175D3DCCD1}">
-                <a14:hiddenFill xmlns="" xmlns:a14="http://schemas.microsoft.com/office/drawing/2010/main">
+                <a14:hiddenFill xmlns:a14="http://schemas.microsoft.com/office/drawing/2010/main" xmlns="">
                   <a:solidFill>
                     <a:srgbClr val="FFFFFF"/>
                   </a:solidFill>
                 </a14:hiddenFill>
               </a:ext>
               <a:ext uri="{91240B29-F687-4f45-9708-019B960494DF}">
-                <a14:hiddenLine xmlns="" xmlns:a14="http://schemas.microsoft.com/office/drawing/2010/main" w="9525">
+                <a14:hiddenLine xmlns:a14="http://schemas.microsoft.com/office/drawing/2010/main" xmlns="" w="9525">
                   <a:solidFill>
                     <a:srgbClr val="000000"/>
                   </a:solidFill>
@@ -26905,7 +26921,7 @@
             </a:ln>
             <a:extLst>
               <a:ext uri="{909E8E84-426E-40dd-AFC4-6F175D3DCCD1}">
-                <a14:hiddenFill xmlns="" xmlns:a14="http://schemas.microsoft.com/office/drawing/2010/main">
+                <a14:hiddenFill xmlns:a14="http://schemas.microsoft.com/office/drawing/2010/main" xmlns="">
                   <a:solidFill>
                     <a:srgbClr val="FFFFFF"/>
                   </a:solidFill>
@@ -26945,14 +26961,14 @@
             </a:ln>
             <a:extLst>
               <a:ext uri="{909E8E84-426E-40dd-AFC4-6F175D3DCCD1}">
-                <a14:hiddenFill xmlns="" xmlns:a14="http://schemas.microsoft.com/office/drawing/2010/main">
+                <a14:hiddenFill xmlns:a14="http://schemas.microsoft.com/office/drawing/2010/main" xmlns="">
                   <a:solidFill>
                     <a:srgbClr val="FFFFFF"/>
                   </a:solidFill>
                 </a14:hiddenFill>
               </a:ext>
               <a:ext uri="{91240B29-F687-4f45-9708-019B960494DF}">
-                <a14:hiddenLine xmlns="" xmlns:a14="http://schemas.microsoft.com/office/drawing/2010/main" w="9525">
+                <a14:hiddenLine xmlns:a14="http://schemas.microsoft.com/office/drawing/2010/main" xmlns="" w="9525">
                   <a:solidFill>
                     <a:srgbClr val="000000"/>
                   </a:solidFill>
@@ -27129,7 +27145,7 @@
             </a:ln>
             <a:extLst>
               <a:ext uri="{909E8E84-426E-40dd-AFC4-6F175D3DCCD1}">
-                <a14:hiddenFill xmlns="" xmlns:a14="http://schemas.microsoft.com/office/drawing/2010/main">
+                <a14:hiddenFill xmlns:a14="http://schemas.microsoft.com/office/drawing/2010/main" xmlns="">
                   <a:solidFill>
                     <a:srgbClr val="FFFFFF"/>
                   </a:solidFill>
@@ -27169,14 +27185,14 @@
             </a:ln>
             <a:extLst>
               <a:ext uri="{909E8E84-426E-40dd-AFC4-6F175D3DCCD1}">
-                <a14:hiddenFill xmlns="" xmlns:a14="http://schemas.microsoft.com/office/drawing/2010/main">
+                <a14:hiddenFill xmlns:a14="http://schemas.microsoft.com/office/drawing/2010/main" xmlns="">
                   <a:solidFill>
                     <a:srgbClr val="FFFFFF"/>
                   </a:solidFill>
                 </a14:hiddenFill>
               </a:ext>
               <a:ext uri="{91240B29-F687-4f45-9708-019B960494DF}">
-                <a14:hiddenLine xmlns="" xmlns:a14="http://schemas.microsoft.com/office/drawing/2010/main" w="9525">
+                <a14:hiddenLine xmlns:a14="http://schemas.microsoft.com/office/drawing/2010/main" xmlns="" w="9525">
                   <a:solidFill>
                     <a:srgbClr val="000000"/>
                   </a:solidFill>
@@ -27353,7 +27369,7 @@
             </a:ln>
             <a:extLst>
               <a:ext uri="{909E8E84-426E-40dd-AFC4-6F175D3DCCD1}">
-                <a14:hiddenFill xmlns="" xmlns:a14="http://schemas.microsoft.com/office/drawing/2010/main">
+                <a14:hiddenFill xmlns:a14="http://schemas.microsoft.com/office/drawing/2010/main" xmlns="">
                   <a:solidFill>
                     <a:srgbClr val="FFFFFF"/>
                   </a:solidFill>
@@ -27393,14 +27409,14 @@
             </a:ln>
             <a:extLst>
               <a:ext uri="{909E8E84-426E-40dd-AFC4-6F175D3DCCD1}">
-                <a14:hiddenFill xmlns="" xmlns:a14="http://schemas.microsoft.com/office/drawing/2010/main">
+                <a14:hiddenFill xmlns:a14="http://schemas.microsoft.com/office/drawing/2010/main" xmlns="">
                   <a:solidFill>
                     <a:srgbClr val="FFFFFF"/>
                   </a:solidFill>
                 </a14:hiddenFill>
               </a:ext>
               <a:ext uri="{91240B29-F687-4f45-9708-019B960494DF}">
-                <a14:hiddenLine xmlns="" xmlns:a14="http://schemas.microsoft.com/office/drawing/2010/main" w="9525">
+                <a14:hiddenLine xmlns:a14="http://schemas.microsoft.com/office/drawing/2010/main" xmlns="" w="9525">
                   <a:solidFill>
                     <a:srgbClr val="000000"/>
                   </a:solidFill>
@@ -28810,7 +28826,7 @@
             </a:ln>
             <a:extLst>
               <a:ext uri="{909E8E84-426E-40dd-AFC4-6F175D3DCCD1}">
-                <a14:hiddenFill xmlns="" xmlns:a14="http://schemas.microsoft.com/office/drawing/2010/main">
+                <a14:hiddenFill xmlns:a14="http://schemas.microsoft.com/office/drawing/2010/main" xmlns="">
                   <a:solidFill>
                     <a:srgbClr val="FFFFFF"/>
                   </a:solidFill>
@@ -28850,14 +28866,14 @@
             </a:ln>
             <a:extLst>
               <a:ext uri="{909E8E84-426E-40dd-AFC4-6F175D3DCCD1}">
-                <a14:hiddenFill xmlns="" xmlns:a14="http://schemas.microsoft.com/office/drawing/2010/main">
+                <a14:hiddenFill xmlns:a14="http://schemas.microsoft.com/office/drawing/2010/main" xmlns="">
                   <a:solidFill>
                     <a:srgbClr val="FFFFFF"/>
                   </a:solidFill>
                 </a14:hiddenFill>
               </a:ext>
               <a:ext uri="{91240B29-F687-4f45-9708-019B960494DF}">
-                <a14:hiddenLine xmlns="" xmlns:a14="http://schemas.microsoft.com/office/drawing/2010/main" w="9525">
+                <a14:hiddenLine xmlns:a14="http://schemas.microsoft.com/office/drawing/2010/main" xmlns="" w="9525">
                   <a:solidFill>
                     <a:srgbClr val="000000"/>
                   </a:solidFill>
@@ -29034,7 +29050,7 @@
             </a:ln>
             <a:extLst>
               <a:ext uri="{909E8E84-426E-40dd-AFC4-6F175D3DCCD1}">
-                <a14:hiddenFill xmlns="" xmlns:a14="http://schemas.microsoft.com/office/drawing/2010/main">
+                <a14:hiddenFill xmlns:a14="http://schemas.microsoft.com/office/drawing/2010/main" xmlns="">
                   <a:solidFill>
                     <a:srgbClr val="FFFFFF"/>
                   </a:solidFill>
@@ -29074,14 +29090,14 @@
             </a:ln>
             <a:extLst>
               <a:ext uri="{909E8E84-426E-40dd-AFC4-6F175D3DCCD1}">
-                <a14:hiddenFill xmlns="" xmlns:a14="http://schemas.microsoft.com/office/drawing/2010/main">
+                <a14:hiddenFill xmlns:a14="http://schemas.microsoft.com/office/drawing/2010/main" xmlns="">
                   <a:solidFill>
                     <a:srgbClr val="FFFFFF"/>
                   </a:solidFill>
                 </a14:hiddenFill>
               </a:ext>
               <a:ext uri="{91240B29-F687-4f45-9708-019B960494DF}">
-                <a14:hiddenLine xmlns="" xmlns:a14="http://schemas.microsoft.com/office/drawing/2010/main" w="9525">
+                <a14:hiddenLine xmlns:a14="http://schemas.microsoft.com/office/drawing/2010/main" xmlns="" w="9525">
                   <a:solidFill>
                     <a:srgbClr val="000000"/>
                   </a:solidFill>
@@ -29258,7 +29274,7 @@
             </a:ln>
             <a:extLst>
               <a:ext uri="{909E8E84-426E-40dd-AFC4-6F175D3DCCD1}">
-                <a14:hiddenFill xmlns="" xmlns:a14="http://schemas.microsoft.com/office/drawing/2010/main">
+                <a14:hiddenFill xmlns:a14="http://schemas.microsoft.com/office/drawing/2010/main" xmlns="">
                   <a:solidFill>
                     <a:srgbClr val="FFFFFF"/>
                   </a:solidFill>
@@ -29298,14 +29314,14 @@
             </a:ln>
             <a:extLst>
               <a:ext uri="{909E8E84-426E-40dd-AFC4-6F175D3DCCD1}">
-                <a14:hiddenFill xmlns="" xmlns:a14="http://schemas.microsoft.com/office/drawing/2010/main">
+                <a14:hiddenFill xmlns:a14="http://schemas.microsoft.com/office/drawing/2010/main" xmlns="">
                   <a:solidFill>
                     <a:srgbClr val="FFFFFF"/>
                   </a:solidFill>
                 </a14:hiddenFill>
               </a:ext>
               <a:ext uri="{91240B29-F687-4f45-9708-019B960494DF}">
-                <a14:hiddenLine xmlns="" xmlns:a14="http://schemas.microsoft.com/office/drawing/2010/main" w="9525">
+                <a14:hiddenLine xmlns:a14="http://schemas.microsoft.com/office/drawing/2010/main" xmlns="" w="9525">
                   <a:solidFill>
                     <a:srgbClr val="000000"/>
                   </a:solidFill>
@@ -29482,7 +29498,7 @@
             </a:ln>
             <a:extLst>
               <a:ext uri="{909E8E84-426E-40dd-AFC4-6F175D3DCCD1}">
-                <a14:hiddenFill xmlns="" xmlns:a14="http://schemas.microsoft.com/office/drawing/2010/main">
+                <a14:hiddenFill xmlns:a14="http://schemas.microsoft.com/office/drawing/2010/main" xmlns="">
                   <a:solidFill>
                     <a:srgbClr val="FFFFFF"/>
                   </a:solidFill>
@@ -29522,14 +29538,14 @@
             </a:ln>
             <a:extLst>
               <a:ext uri="{909E8E84-426E-40dd-AFC4-6F175D3DCCD1}">
-                <a14:hiddenFill xmlns="" xmlns:a14="http://schemas.microsoft.com/office/drawing/2010/main">
+                <a14:hiddenFill xmlns:a14="http://schemas.microsoft.com/office/drawing/2010/main" xmlns="">
                   <a:solidFill>
                     <a:srgbClr val="FFFFFF"/>
                   </a:solidFill>
                 </a14:hiddenFill>
               </a:ext>
               <a:ext uri="{91240B29-F687-4f45-9708-019B960494DF}">
-                <a14:hiddenLine xmlns="" xmlns:a14="http://schemas.microsoft.com/office/drawing/2010/main" w="9525">
+                <a14:hiddenLine xmlns:a14="http://schemas.microsoft.com/office/drawing/2010/main" xmlns="" w="9525">
                   <a:solidFill>
                     <a:srgbClr val="000000"/>
                   </a:solidFill>
@@ -30031,14 +30047,14 @@
           </a:ln>
           <a:extLst>
             <a:ext uri="{909E8E84-426E-40dd-AFC4-6F175D3DCCD1}">
-              <a14:hiddenFill xmlns="" xmlns:a14="http://schemas.microsoft.com/office/drawing/2010/main">
+              <a14:hiddenFill xmlns:a14="http://schemas.microsoft.com/office/drawing/2010/main" xmlns="">
                 <a:solidFill>
                   <a:srgbClr val="FFFFFF"/>
                 </a:solidFill>
               </a14:hiddenFill>
             </a:ext>
             <a:ext uri="{91240B29-F687-4f45-9708-019B960494DF}">
-              <a14:hiddenLine xmlns="" xmlns:a14="http://schemas.microsoft.com/office/drawing/2010/main" w="25400">
+              <a14:hiddenLine xmlns:a14="http://schemas.microsoft.com/office/drawing/2010/main" xmlns="" w="25400">
                 <a:solidFill>
                   <a:srgbClr val="000000"/>
                 </a:solidFill>
@@ -30174,14 +30190,14 @@
           </a:ln>
           <a:extLst>
             <a:ext uri="{909E8E84-426E-40dd-AFC4-6F175D3DCCD1}">
-              <a14:hiddenFill xmlns="" xmlns:a14="http://schemas.microsoft.com/office/drawing/2010/main">
+              <a14:hiddenFill xmlns:a14="http://schemas.microsoft.com/office/drawing/2010/main" xmlns="">
                 <a:solidFill>
                   <a:srgbClr val="FFFFFF"/>
                 </a:solidFill>
               </a14:hiddenFill>
             </a:ext>
             <a:ext uri="{91240B29-F687-4f45-9708-019B960494DF}">
-              <a14:hiddenLine xmlns="" xmlns:a14="http://schemas.microsoft.com/office/drawing/2010/main" w="25400">
+              <a14:hiddenLine xmlns:a14="http://schemas.microsoft.com/office/drawing/2010/main" xmlns="" w="25400">
                 <a:solidFill>
                   <a:srgbClr val="000000"/>
                 </a:solidFill>
@@ -46347,14 +46363,14 @@
           </a:ln>
           <a:extLst>
             <a:ext uri="{909E8E84-426E-40dd-AFC4-6F175D3DCCD1}">
-              <a14:hiddenFill xmlns="" xmlns:a14="http://schemas.microsoft.com/office/drawing/2010/main">
+              <a14:hiddenFill xmlns:a14="http://schemas.microsoft.com/office/drawing/2010/main" xmlns="">
                 <a:solidFill>
                   <a:srgbClr val="FFFFFF"/>
                 </a:solidFill>
               </a14:hiddenFill>
             </a:ext>
             <a:ext uri="{91240B29-F687-4f45-9708-019B960494DF}">
-              <a14:hiddenLine xmlns="" xmlns:a14="http://schemas.microsoft.com/office/drawing/2010/main" w="25400">
+              <a14:hiddenLine xmlns:a14="http://schemas.microsoft.com/office/drawing/2010/main" xmlns="" w="25400">
                 <a:solidFill>
                   <a:srgbClr val="000000"/>
                 </a:solidFill>
@@ -46511,14 +46527,14 @@
           </a:ln>
           <a:extLst>
             <a:ext uri="{909E8E84-426E-40dd-AFC4-6F175D3DCCD1}">
-              <a14:hiddenFill xmlns="" xmlns:a14="http://schemas.microsoft.com/office/drawing/2010/main">
+              <a14:hiddenFill xmlns:a14="http://schemas.microsoft.com/office/drawing/2010/main" xmlns="">
                 <a:solidFill>
                   <a:srgbClr val="FFFFFF"/>
                 </a:solidFill>
               </a14:hiddenFill>
             </a:ext>
             <a:ext uri="{91240B29-F687-4f45-9708-019B960494DF}">
-              <a14:hiddenLine xmlns="" xmlns:a14="http://schemas.microsoft.com/office/drawing/2010/main" w="25400">
+              <a14:hiddenLine xmlns:a14="http://schemas.microsoft.com/office/drawing/2010/main" xmlns="" w="25400">
                 <a:solidFill>
                   <a:srgbClr val="000000"/>
                 </a:solidFill>
@@ -46577,14 +46593,14 @@
           </a:ln>
           <a:extLst>
             <a:ext uri="{909E8E84-426E-40dd-AFC4-6F175D3DCCD1}">
-              <a14:hiddenFill xmlns="" xmlns:a14="http://schemas.microsoft.com/office/drawing/2010/main">
+              <a14:hiddenFill xmlns:a14="http://schemas.microsoft.com/office/drawing/2010/main" xmlns="">
                 <a:solidFill>
                   <a:srgbClr val="FFFFFF"/>
                 </a:solidFill>
               </a14:hiddenFill>
             </a:ext>
             <a:ext uri="{91240B29-F687-4f45-9708-019B960494DF}">
-              <a14:hiddenLine xmlns="" xmlns:a14="http://schemas.microsoft.com/office/drawing/2010/main" w="25400">
+              <a14:hiddenLine xmlns:a14="http://schemas.microsoft.com/office/drawing/2010/main" xmlns="" w="25400">
                 <a:solidFill>
                   <a:srgbClr val="000000"/>
                 </a:solidFill>
@@ -46643,14 +46659,14 @@
           </a:ln>
           <a:extLst>
             <a:ext uri="{909E8E84-426E-40dd-AFC4-6F175D3DCCD1}">
-              <a14:hiddenFill xmlns="" xmlns:a14="http://schemas.microsoft.com/office/drawing/2010/main">
+              <a14:hiddenFill xmlns:a14="http://schemas.microsoft.com/office/drawing/2010/main" xmlns="">
                 <a:solidFill>
                   <a:srgbClr val="FFFFFF"/>
                 </a:solidFill>
               </a14:hiddenFill>
             </a:ext>
             <a:ext uri="{91240B29-F687-4f45-9708-019B960494DF}">
-              <a14:hiddenLine xmlns="" xmlns:a14="http://schemas.microsoft.com/office/drawing/2010/main" w="25400">
+              <a14:hiddenLine xmlns:a14="http://schemas.microsoft.com/office/drawing/2010/main" xmlns="" w="25400">
                 <a:solidFill>
                   <a:srgbClr val="000000"/>
                 </a:solidFill>
@@ -46703,14 +46719,14 @@
           </a:ln>
           <a:extLst>
             <a:ext uri="{909E8E84-426E-40dd-AFC4-6F175D3DCCD1}">
-              <a14:hiddenFill xmlns="" xmlns:a14="http://schemas.microsoft.com/office/drawing/2010/main">
+              <a14:hiddenFill xmlns:a14="http://schemas.microsoft.com/office/drawing/2010/main" xmlns="">
                 <a:solidFill>
                   <a:srgbClr val="FFFFFF"/>
                 </a:solidFill>
               </a14:hiddenFill>
             </a:ext>
             <a:ext uri="{91240B29-F687-4f45-9708-019B960494DF}">
-              <a14:hiddenLine xmlns="" xmlns:a14="http://schemas.microsoft.com/office/drawing/2010/main" w="9525">
+              <a14:hiddenLine xmlns:a14="http://schemas.microsoft.com/office/drawing/2010/main" xmlns="" w="9525">
                 <a:solidFill>
                   <a:srgbClr val="000000"/>
                 </a:solidFill>
@@ -46898,14 +46914,14 @@
           </a:ln>
           <a:extLst>
             <a:ext uri="{909E8E84-426E-40dd-AFC4-6F175D3DCCD1}">
-              <a14:hiddenFill xmlns="" xmlns:a14="http://schemas.microsoft.com/office/drawing/2010/main">
+              <a14:hiddenFill xmlns:a14="http://schemas.microsoft.com/office/drawing/2010/main" xmlns="">
                 <a:solidFill>
                   <a:srgbClr val="FFFFFF"/>
                 </a:solidFill>
               </a14:hiddenFill>
             </a:ext>
             <a:ext uri="{91240B29-F687-4f45-9708-019B960494DF}">
-              <a14:hiddenLine xmlns="" xmlns:a14="http://schemas.microsoft.com/office/drawing/2010/main" w="25400">
+              <a14:hiddenLine xmlns:a14="http://schemas.microsoft.com/office/drawing/2010/main" xmlns="" w="25400">
                 <a:solidFill>
                   <a:srgbClr val="000000"/>
                 </a:solidFill>
@@ -46974,14 +46990,14 @@
             </a:ln>
             <a:extLst>
               <a:ext uri="{909E8E84-426E-40dd-AFC4-6F175D3DCCD1}">
-                <a14:hiddenFill xmlns="" xmlns:a14="http://schemas.microsoft.com/office/drawing/2010/main">
+                <a14:hiddenFill xmlns:a14="http://schemas.microsoft.com/office/drawing/2010/main" xmlns="">
                   <a:solidFill>
                     <a:srgbClr val="FFFFFF"/>
                   </a:solidFill>
                 </a14:hiddenFill>
               </a:ext>
               <a:ext uri="{91240B29-F687-4f45-9708-019B960494DF}">
-                <a14:hiddenLine xmlns="" xmlns:a14="http://schemas.microsoft.com/office/drawing/2010/main" w="25400">
+                <a14:hiddenLine xmlns:a14="http://schemas.microsoft.com/office/drawing/2010/main" xmlns="" w="25400">
                   <a:solidFill>
                     <a:srgbClr val="000000"/>
                   </a:solidFill>
@@ -47034,14 +47050,14 @@
             </a:ln>
             <a:extLst>
               <a:ext uri="{909E8E84-426E-40dd-AFC4-6F175D3DCCD1}">
-                <a14:hiddenFill xmlns="" xmlns:a14="http://schemas.microsoft.com/office/drawing/2010/main">
+                <a14:hiddenFill xmlns:a14="http://schemas.microsoft.com/office/drawing/2010/main" xmlns="">
                   <a:solidFill>
                     <a:srgbClr val="FFFFFF"/>
                   </a:solidFill>
                 </a14:hiddenFill>
               </a:ext>
               <a:ext uri="{91240B29-F687-4f45-9708-019B960494DF}">
-                <a14:hiddenLine xmlns="" xmlns:a14="http://schemas.microsoft.com/office/drawing/2010/main" w="25400">
+                <a14:hiddenLine xmlns:a14="http://schemas.microsoft.com/office/drawing/2010/main" xmlns="" w="25400">
                   <a:solidFill>
                     <a:srgbClr val="000000"/>
                   </a:solidFill>
@@ -47101,14 +47117,14 @@
           </a:ln>
           <a:extLst>
             <a:ext uri="{909E8E84-426E-40dd-AFC4-6F175D3DCCD1}">
-              <a14:hiddenFill xmlns="" xmlns:a14="http://schemas.microsoft.com/office/drawing/2010/main">
+              <a14:hiddenFill xmlns:a14="http://schemas.microsoft.com/office/drawing/2010/main" xmlns="">
                 <a:solidFill>
                   <a:srgbClr val="FFFFFF"/>
                 </a:solidFill>
               </a14:hiddenFill>
             </a:ext>
             <a:ext uri="{91240B29-F687-4f45-9708-019B960494DF}">
-              <a14:hiddenLine xmlns="" xmlns:a14="http://schemas.microsoft.com/office/drawing/2010/main" w="9525">
+              <a14:hiddenLine xmlns:a14="http://schemas.microsoft.com/office/drawing/2010/main" xmlns="" w="9525">
                 <a:solidFill>
                   <a:srgbClr val="000000"/>
                 </a:solidFill>
@@ -47292,14 +47308,14 @@
             </a:ln>
             <a:extLst>
               <a:ext uri="{909E8E84-426E-40dd-AFC4-6F175D3DCCD1}">
-                <a14:hiddenFill xmlns="" xmlns:a14="http://schemas.microsoft.com/office/drawing/2010/main">
+                <a14:hiddenFill xmlns:a14="http://schemas.microsoft.com/office/drawing/2010/main" xmlns="">
                   <a:solidFill>
                     <a:srgbClr val="FFFFFF"/>
                   </a:solidFill>
                 </a14:hiddenFill>
               </a:ext>
               <a:ext uri="{91240B29-F687-4f45-9708-019B960494DF}">
-                <a14:hiddenLine xmlns="" xmlns:a14="http://schemas.microsoft.com/office/drawing/2010/main" w="9525">
+                <a14:hiddenLine xmlns:a14="http://schemas.microsoft.com/office/drawing/2010/main" xmlns="" w="9525">
                   <a:solidFill>
                     <a:srgbClr val="000000"/>
                   </a:solidFill>
@@ -47350,14 +47366,14 @@
             </a:ln>
             <a:extLst>
               <a:ext uri="{909E8E84-426E-40dd-AFC4-6F175D3DCCD1}">
-                <a14:hiddenFill xmlns="" xmlns:a14="http://schemas.microsoft.com/office/drawing/2010/main">
+                <a14:hiddenFill xmlns:a14="http://schemas.microsoft.com/office/drawing/2010/main" xmlns="">
                   <a:solidFill>
                     <a:srgbClr val="FFFFFF"/>
                   </a:solidFill>
                 </a14:hiddenFill>
               </a:ext>
               <a:ext uri="{91240B29-F687-4f45-9708-019B960494DF}">
-                <a14:hiddenLine xmlns="" xmlns:a14="http://schemas.microsoft.com/office/drawing/2010/main" w="9525">
+                <a14:hiddenLine xmlns:a14="http://schemas.microsoft.com/office/drawing/2010/main" xmlns="" w="9525">
                   <a:solidFill>
                     <a:srgbClr val="000000"/>
                   </a:solidFill>
@@ -47423,14 +47439,14 @@
             </a:ln>
             <a:extLst>
               <a:ext uri="{909E8E84-426E-40dd-AFC4-6F175D3DCCD1}">
-                <a14:hiddenFill xmlns="" xmlns:a14="http://schemas.microsoft.com/office/drawing/2010/main">
+                <a14:hiddenFill xmlns:a14="http://schemas.microsoft.com/office/drawing/2010/main" xmlns="">
                   <a:solidFill>
                     <a:srgbClr val="FFFFFF"/>
                   </a:solidFill>
                 </a14:hiddenFill>
               </a:ext>
               <a:ext uri="{91240B29-F687-4f45-9708-019B960494DF}">
-                <a14:hiddenLine xmlns="" xmlns:a14="http://schemas.microsoft.com/office/drawing/2010/main" w="9525">
+                <a14:hiddenLine xmlns:a14="http://schemas.microsoft.com/office/drawing/2010/main" xmlns="" w="9525">
                   <a:solidFill>
                     <a:srgbClr val="000000"/>
                   </a:solidFill>
@@ -47654,7 +47670,7 @@
             </a:ln>
             <a:extLst>
               <a:ext uri="{909E8E84-426E-40dd-AFC4-6F175D3DCCD1}">
-                <a14:hiddenFill xmlns="" xmlns:a14="http://schemas.microsoft.com/office/drawing/2010/main">
+                <a14:hiddenFill xmlns:a14="http://schemas.microsoft.com/office/drawing/2010/main" xmlns="">
                   <a:noFill/>
                 </a14:hiddenFill>
               </a:ext>
